--- a/PowerPoint Slides/CSC 439 Sprint Week 4.pptx
+++ b/PowerPoint Slides/CSC 439 Sprint Week 4.pptx
@@ -19,6 +19,7 @@
     <p:sldId id="261" r:id="rId13"/>
     <p:sldId id="263" r:id="rId14"/>
     <p:sldId id="262" r:id="rId15"/>
+    <p:sldId id="270" r:id="rId16"/>
   </p:sldIdLst>
   <p:sldSz cx="12192000" cy="6858000"/>
   <p:notesSz cx="6858000" cy="9144000"/>
@@ -117,6 +118,11 @@
       </a:defRPr>
     </a:lvl9pPr>
   </p:defaultTextStyle>
+  <p:extLst>
+    <p:ext uri="{EFAFB233-063F-42B5-8137-9DF3F51BA10A}">
+      <p15:sldGuideLst xmlns:p15="http://schemas.microsoft.com/office/powerpoint/2012/main"/>
+    </p:ext>
+  </p:extLst>
 </p:presentation>
 </file>
 
@@ -289,7 +295,7 @@
           <a:p>
             <a:fld id="{D32A0B95-015E-4910-9C09-101F03BAE1BA}" type="datetimeFigureOut">
               <a:rPr lang="en-US" smtClean="0"/>
-              <a:t>10/7/2019</a:t>
+              <a:t>10/7/19</a:t>
             </a:fld>
             <a:endParaRPr lang="en-US"/>
           </a:p>
@@ -619,7 +625,7 @@
           <a:p>
             <a:fld id="{D32A0B95-015E-4910-9C09-101F03BAE1BA}" type="datetimeFigureOut">
               <a:rPr lang="en-US" smtClean="0"/>
-              <a:t>10/7/2019</a:t>
+              <a:t>10/7/19</a:t>
             </a:fld>
             <a:endParaRPr lang="en-US"/>
           </a:p>
@@ -799,7 +805,7 @@
           <a:p>
             <a:fld id="{D32A0B95-015E-4910-9C09-101F03BAE1BA}" type="datetimeFigureOut">
               <a:rPr lang="en-US" smtClean="0"/>
-              <a:t>10/7/2019</a:t>
+              <a:t>10/7/19</a:t>
             </a:fld>
             <a:endParaRPr lang="en-US"/>
           </a:p>
@@ -969,7 +975,7 @@
           <a:p>
             <a:fld id="{D32A0B95-015E-4910-9C09-101F03BAE1BA}" type="datetimeFigureOut">
               <a:rPr lang="en-US" smtClean="0"/>
-              <a:t>10/7/2019</a:t>
+              <a:t>10/7/19</a:t>
             </a:fld>
             <a:endParaRPr lang="en-US"/>
           </a:p>
@@ -1246,7 +1252,7 @@
           <a:p>
             <a:fld id="{D32A0B95-015E-4910-9C09-101F03BAE1BA}" type="datetimeFigureOut">
               <a:rPr lang="en-US" smtClean="0"/>
-              <a:t>10/7/2019</a:t>
+              <a:t>10/7/19</a:t>
             </a:fld>
             <a:endParaRPr lang="en-US"/>
           </a:p>
@@ -1640,7 +1646,7 @@
           <a:p>
             <a:fld id="{D32A0B95-015E-4910-9C09-101F03BAE1BA}" type="datetimeFigureOut">
               <a:rPr lang="en-US" smtClean="0"/>
-              <a:t>10/7/2019</a:t>
+              <a:t>10/7/19</a:t>
             </a:fld>
             <a:endParaRPr lang="en-US"/>
           </a:p>
@@ -2117,7 +2123,7 @@
           <a:p>
             <a:fld id="{D32A0B95-015E-4910-9C09-101F03BAE1BA}" type="datetimeFigureOut">
               <a:rPr lang="en-US" smtClean="0"/>
-              <a:t>10/7/2019</a:t>
+              <a:t>10/7/19</a:t>
             </a:fld>
             <a:endParaRPr lang="en-US"/>
           </a:p>
@@ -2235,7 +2241,7 @@
           <a:p>
             <a:fld id="{D32A0B95-015E-4910-9C09-101F03BAE1BA}" type="datetimeFigureOut">
               <a:rPr lang="en-US" smtClean="0"/>
-              <a:t>10/7/2019</a:t>
+              <a:t>10/7/19</a:t>
             </a:fld>
             <a:endParaRPr lang="en-US"/>
           </a:p>
@@ -2330,7 +2336,7 @@
           <a:p>
             <a:fld id="{D32A0B95-015E-4910-9C09-101F03BAE1BA}" type="datetimeFigureOut">
               <a:rPr lang="en-US" smtClean="0"/>
-              <a:t>10/7/2019</a:t>
+              <a:t>10/7/19</a:t>
             </a:fld>
             <a:endParaRPr lang="en-US"/>
           </a:p>
@@ -2676,7 +2682,7 @@
           <a:p>
             <a:fld id="{D32A0B95-015E-4910-9C09-101F03BAE1BA}" type="datetimeFigureOut">
               <a:rPr lang="en-US" smtClean="0"/>
-              <a:t>10/7/2019</a:t>
+              <a:t>10/7/19</a:t>
             </a:fld>
             <a:endParaRPr lang="en-US"/>
           </a:p>
@@ -3064,7 +3070,7 @@
           <a:p>
             <a:fld id="{D32A0B95-015E-4910-9C09-101F03BAE1BA}" type="datetimeFigureOut">
               <a:rPr lang="en-US" smtClean="0"/>
-              <a:t>10/7/2019</a:t>
+              <a:t>10/7/19</a:t>
             </a:fld>
             <a:endParaRPr lang="en-US"/>
           </a:p>
@@ -3342,7 +3348,7 @@
           <a:p>
             <a:fld id="{D32A0B95-015E-4910-9C09-101F03BAE1BA}" type="datetimeFigureOut">
               <a:rPr lang="en-US" smtClean="0"/>
-              <a:t>10/7/2019</a:t>
+              <a:t>10/7/19</a:t>
             </a:fld>
             <a:endParaRPr lang="en-US"/>
           </a:p>
@@ -4328,12 +4334,97 @@
             <p:ph idx="1"/>
           </p:nvPr>
         </p:nvSpPr>
-        <p:spPr/>
+        <p:spPr>
+          <a:xfrm>
+            <a:off x="1371600" y="2286000"/>
+            <a:ext cx="9601200" cy="510209"/>
+          </a:xfrm>
+        </p:spPr>
         <p:txBody>
           <a:bodyPr/>
           <a:lstStyle/>
           <a:p>
-            <a:endParaRPr lang="en-US"/>
+            <a:r>
+              <a:rPr lang="en-US" dirty="0"/>
+              <a:t>Made the search bar retain previous search term and type for user reference. </a:t>
+            </a:r>
+          </a:p>
+          <a:p>
+            <a:pPr marL="0" indent="0">
+              <a:buNone/>
+            </a:pPr>
+            <a:endParaRPr lang="en-US" dirty="0"/>
+          </a:p>
+        </p:txBody>
+      </p:sp>
+      <p:pic>
+        <p:nvPicPr>
+          <p:cNvPr id="5" name="Picture 4">
+            <a:extLst>
+              <a:ext uri="{FF2B5EF4-FFF2-40B4-BE49-F238E27FC236}">
+                <a16:creationId xmlns:a16="http://schemas.microsoft.com/office/drawing/2014/main" id="{C2067A05-0CF5-CB41-B38B-74676EA016B0}"/>
+              </a:ext>
+            </a:extLst>
+          </p:cNvPr>
+          <p:cNvPicPr>
+            <a:picLocks noChangeAspect="1"/>
+          </p:cNvPicPr>
+          <p:nvPr/>
+        </p:nvPicPr>
+        <p:blipFill>
+          <a:blip r:embed="rId2">
+            <a:extLst>
+              <a:ext uri="{28A0092B-C50C-407E-A947-70E740481C1C}">
+                <a14:useLocalDpi xmlns:a14="http://schemas.microsoft.com/office/drawing/2010/main" val="0"/>
+              </a:ext>
+            </a:extLst>
+          </a:blip>
+          <a:stretch>
+            <a:fillRect/>
+          </a:stretch>
+        </p:blipFill>
+        <p:spPr>
+          <a:xfrm>
+            <a:off x="1371599" y="3607628"/>
+            <a:ext cx="5893677" cy="2965450"/>
+          </a:xfrm>
+          <a:prstGeom prst="rect">
+            <a:avLst/>
+          </a:prstGeom>
+        </p:spPr>
+      </p:pic>
+      <p:sp>
+        <p:nvSpPr>
+          <p:cNvPr id="6" name="TextBox 5">
+            <a:extLst>
+              <a:ext uri="{FF2B5EF4-FFF2-40B4-BE49-F238E27FC236}">
+                <a16:creationId xmlns:a16="http://schemas.microsoft.com/office/drawing/2014/main" id="{2920349E-87B5-E745-9FD3-97E462D69ADC}"/>
+              </a:ext>
+            </a:extLst>
+          </p:cNvPr>
+          <p:cNvSpPr txBox="1"/>
+          <p:nvPr/>
+        </p:nvSpPr>
+        <p:spPr>
+          <a:xfrm>
+            <a:off x="1371600" y="3017252"/>
+            <a:ext cx="1040296" cy="369332"/>
+          </a:xfrm>
+          <a:prstGeom prst="rect">
+            <a:avLst/>
+          </a:prstGeom>
+          <a:noFill/>
+        </p:spPr>
+        <p:txBody>
+          <a:bodyPr wrap="square" rtlCol="0">
+            <a:spAutoFit/>
+          </a:bodyPr>
+          <a:lstStyle/>
+          <a:p>
+            <a:r>
+              <a:rPr lang="en-US" u="sng" dirty="0"/>
+              <a:t>Before</a:t>
+            </a:r>
           </a:p>
         </p:txBody>
       </p:sp>
@@ -4341,6 +4432,174 @@
     <p:extLst>
       <p:ext uri="{BB962C8B-B14F-4D97-AF65-F5344CB8AC3E}">
         <p14:creationId xmlns:p14="http://schemas.microsoft.com/office/powerpoint/2010/main" val="2377181227"/>
+      </p:ext>
+    </p:extLst>
+  </p:cSld>
+  <p:clrMapOvr>
+    <a:masterClrMapping/>
+  </p:clrMapOvr>
+</p:sld>
+</file>
+
+<file path=ppt/slides/slide15.xml><?xml version="1.0" encoding="utf-8"?>
+<p:sld xmlns:a="http://schemas.openxmlformats.org/drawingml/2006/main" xmlns:r="http://schemas.openxmlformats.org/officeDocument/2006/relationships" xmlns:p="http://schemas.openxmlformats.org/presentationml/2006/main">
+  <p:cSld>
+    <p:spTree>
+      <p:nvGrpSpPr>
+        <p:cNvPr id="1" name=""/>
+        <p:cNvGrpSpPr/>
+        <p:nvPr/>
+      </p:nvGrpSpPr>
+      <p:grpSpPr>
+        <a:xfrm>
+          <a:off x="0" y="0"/>
+          <a:ext cx="0" cy="0"/>
+          <a:chOff x="0" y="0"/>
+          <a:chExt cx="0" cy="0"/>
+        </a:xfrm>
+      </p:grpSpPr>
+      <p:sp>
+        <p:nvSpPr>
+          <p:cNvPr id="2" name="Title 1">
+            <a:extLst>
+              <a:ext uri="{FF2B5EF4-FFF2-40B4-BE49-F238E27FC236}">
+                <a16:creationId xmlns:a16="http://schemas.microsoft.com/office/drawing/2014/main" id="{FE7AE5D2-2834-46AD-B7BF-75A863EFEC6B}"/>
+              </a:ext>
+            </a:extLst>
+          </p:cNvPr>
+          <p:cNvSpPr>
+            <a:spLocks noGrp="1"/>
+          </p:cNvSpPr>
+          <p:nvPr>
+            <p:ph type="title"/>
+          </p:nvPr>
+        </p:nvSpPr>
+        <p:spPr/>
+        <p:txBody>
+          <a:bodyPr/>
+          <a:lstStyle/>
+          <a:p>
+            <a:r>
+              <a:rPr lang="en-US" dirty="0"/>
+              <a:t>Tester: Chris Wells</a:t>
+            </a:r>
+          </a:p>
+        </p:txBody>
+      </p:sp>
+      <p:sp>
+        <p:nvSpPr>
+          <p:cNvPr id="3" name="Content Placeholder 2">
+            <a:extLst>
+              <a:ext uri="{FF2B5EF4-FFF2-40B4-BE49-F238E27FC236}">
+                <a16:creationId xmlns:a16="http://schemas.microsoft.com/office/drawing/2014/main" id="{E59F8A11-8E43-4671-8096-3F201897DA77}"/>
+              </a:ext>
+            </a:extLst>
+          </p:cNvPr>
+          <p:cNvSpPr>
+            <a:spLocks noGrp="1"/>
+          </p:cNvSpPr>
+          <p:nvPr>
+            <p:ph idx="1"/>
+          </p:nvPr>
+        </p:nvSpPr>
+        <p:spPr>
+          <a:xfrm>
+            <a:off x="1371600" y="2286000"/>
+            <a:ext cx="9601200" cy="510209"/>
+          </a:xfrm>
+        </p:spPr>
+        <p:txBody>
+          <a:bodyPr/>
+          <a:lstStyle/>
+          <a:p>
+            <a:r>
+              <a:rPr lang="en-US" dirty="0"/>
+              <a:t>Made the search bar retain previous search term and type for user reference. </a:t>
+            </a:r>
+          </a:p>
+          <a:p>
+            <a:pPr marL="0" indent="0">
+              <a:buNone/>
+            </a:pPr>
+            <a:endParaRPr lang="en-US" dirty="0"/>
+          </a:p>
+        </p:txBody>
+      </p:sp>
+      <p:sp>
+        <p:nvSpPr>
+          <p:cNvPr id="6" name="TextBox 5">
+            <a:extLst>
+              <a:ext uri="{FF2B5EF4-FFF2-40B4-BE49-F238E27FC236}">
+                <a16:creationId xmlns:a16="http://schemas.microsoft.com/office/drawing/2014/main" id="{2920349E-87B5-E745-9FD3-97E462D69ADC}"/>
+              </a:ext>
+            </a:extLst>
+          </p:cNvPr>
+          <p:cNvSpPr txBox="1"/>
+          <p:nvPr/>
+        </p:nvSpPr>
+        <p:spPr>
+          <a:xfrm>
+            <a:off x="1371600" y="3017252"/>
+            <a:ext cx="1040296" cy="369332"/>
+          </a:xfrm>
+          <a:prstGeom prst="rect">
+            <a:avLst/>
+          </a:prstGeom>
+          <a:noFill/>
+        </p:spPr>
+        <p:txBody>
+          <a:bodyPr wrap="square" rtlCol="0">
+            <a:spAutoFit/>
+          </a:bodyPr>
+          <a:lstStyle/>
+          <a:p>
+            <a:r>
+              <a:rPr lang="en-US" u="sng" dirty="0"/>
+              <a:t>After</a:t>
+            </a:r>
+          </a:p>
+        </p:txBody>
+      </p:sp>
+      <p:pic>
+        <p:nvPicPr>
+          <p:cNvPr id="8" name="Picture 7">
+            <a:extLst>
+              <a:ext uri="{FF2B5EF4-FFF2-40B4-BE49-F238E27FC236}">
+                <a16:creationId xmlns:a16="http://schemas.microsoft.com/office/drawing/2014/main" id="{378A3E0B-875A-3844-99C8-F5B1C3F8EE30}"/>
+              </a:ext>
+            </a:extLst>
+          </p:cNvPr>
+          <p:cNvPicPr>
+            <a:picLocks noChangeAspect="1"/>
+          </p:cNvPicPr>
+          <p:nvPr/>
+        </p:nvPicPr>
+        <p:blipFill>
+          <a:blip r:embed="rId2">
+            <a:extLst>
+              <a:ext uri="{28A0092B-C50C-407E-A947-70E740481C1C}">
+                <a14:useLocalDpi xmlns:a14="http://schemas.microsoft.com/office/drawing/2010/main" val="0"/>
+              </a:ext>
+            </a:extLst>
+          </a:blip>
+          <a:stretch>
+            <a:fillRect/>
+          </a:stretch>
+        </p:blipFill>
+        <p:spPr>
+          <a:xfrm>
+            <a:off x="1371600" y="3607626"/>
+            <a:ext cx="10062087" cy="1878773"/>
+          </a:xfrm>
+          <a:prstGeom prst="rect">
+            <a:avLst/>
+          </a:prstGeom>
+        </p:spPr>
+      </p:pic>
+    </p:spTree>
+    <p:extLst>
+      <p:ext uri="{BB962C8B-B14F-4D97-AF65-F5344CB8AC3E}">
+        <p14:creationId xmlns:p14="http://schemas.microsoft.com/office/powerpoint/2010/main" val="818837157"/>
       </p:ext>
     </p:extLst>
   </p:cSld>

--- a/PowerPoint Slides/CSC 439 Sprint Week 4.pptx
+++ b/PowerPoint Slides/CSC 439 Sprint Week 4.pptx
@@ -20,6 +20,7 @@
     <p:sldId id="263" r:id="rId14"/>
     <p:sldId id="262" r:id="rId15"/>
     <p:sldId id="270" r:id="rId16"/>
+    <p:sldId id="271" r:id="rId17"/>
   </p:sldIdLst>
   <p:sldSz cx="12192000" cy="6858000"/>
   <p:notesSz cx="6858000" cy="9144000"/>
@@ -4609,6 +4610,174 @@
 </p:sld>
 </file>
 
+<file path=ppt/slides/slide16.xml><?xml version="1.0" encoding="utf-8"?>
+<p:sld xmlns:a="http://schemas.openxmlformats.org/drawingml/2006/main" xmlns:r="http://schemas.openxmlformats.org/officeDocument/2006/relationships" xmlns:p="http://schemas.openxmlformats.org/presentationml/2006/main">
+  <p:cSld>
+    <p:spTree>
+      <p:nvGrpSpPr>
+        <p:cNvPr id="1" name=""/>
+        <p:cNvGrpSpPr/>
+        <p:nvPr/>
+      </p:nvGrpSpPr>
+      <p:grpSpPr>
+        <a:xfrm>
+          <a:off x="0" y="0"/>
+          <a:ext cx="0" cy="0"/>
+          <a:chOff x="0" y="0"/>
+          <a:chExt cx="0" cy="0"/>
+        </a:xfrm>
+      </p:grpSpPr>
+      <p:sp>
+        <p:nvSpPr>
+          <p:cNvPr id="2" name="Title 1">
+            <a:extLst>
+              <a:ext uri="{FF2B5EF4-FFF2-40B4-BE49-F238E27FC236}">
+                <a16:creationId xmlns:a16="http://schemas.microsoft.com/office/drawing/2014/main" id="{FE7AE5D2-2834-46AD-B7BF-75A863EFEC6B}"/>
+              </a:ext>
+            </a:extLst>
+          </p:cNvPr>
+          <p:cNvSpPr>
+            <a:spLocks noGrp="1"/>
+          </p:cNvSpPr>
+          <p:nvPr>
+            <p:ph type="title"/>
+          </p:nvPr>
+        </p:nvSpPr>
+        <p:spPr/>
+        <p:txBody>
+          <a:bodyPr/>
+          <a:lstStyle/>
+          <a:p>
+            <a:r>
+              <a:rPr lang="en-US" dirty="0"/>
+              <a:t>Tester: Chris Wells</a:t>
+            </a:r>
+          </a:p>
+        </p:txBody>
+      </p:sp>
+      <p:sp>
+        <p:nvSpPr>
+          <p:cNvPr id="3" name="Content Placeholder 2">
+            <a:extLst>
+              <a:ext uri="{FF2B5EF4-FFF2-40B4-BE49-F238E27FC236}">
+                <a16:creationId xmlns:a16="http://schemas.microsoft.com/office/drawing/2014/main" id="{E59F8A11-8E43-4671-8096-3F201897DA77}"/>
+              </a:ext>
+            </a:extLst>
+          </p:cNvPr>
+          <p:cNvSpPr>
+            <a:spLocks noGrp="1"/>
+          </p:cNvSpPr>
+          <p:nvPr>
+            <p:ph idx="1"/>
+          </p:nvPr>
+        </p:nvSpPr>
+        <p:spPr>
+          <a:xfrm>
+            <a:off x="1371600" y="2286000"/>
+            <a:ext cx="9601200" cy="510209"/>
+          </a:xfrm>
+        </p:spPr>
+        <p:txBody>
+          <a:bodyPr/>
+          <a:lstStyle/>
+          <a:p>
+            <a:r>
+              <a:rPr lang="en-US" dirty="0"/>
+              <a:t>Made the search bar retain previous search term and type for user reference. </a:t>
+            </a:r>
+          </a:p>
+          <a:p>
+            <a:pPr marL="0" indent="0">
+              <a:buNone/>
+            </a:pPr>
+            <a:endParaRPr lang="en-US" dirty="0"/>
+          </a:p>
+        </p:txBody>
+      </p:sp>
+      <p:sp>
+        <p:nvSpPr>
+          <p:cNvPr id="6" name="TextBox 5">
+            <a:extLst>
+              <a:ext uri="{FF2B5EF4-FFF2-40B4-BE49-F238E27FC236}">
+                <a16:creationId xmlns:a16="http://schemas.microsoft.com/office/drawing/2014/main" id="{2920349E-87B5-E745-9FD3-97E462D69ADC}"/>
+              </a:ext>
+            </a:extLst>
+          </p:cNvPr>
+          <p:cNvSpPr txBox="1"/>
+          <p:nvPr/>
+        </p:nvSpPr>
+        <p:spPr>
+          <a:xfrm>
+            <a:off x="1371600" y="3017252"/>
+            <a:ext cx="1040296" cy="369332"/>
+          </a:xfrm>
+          <a:prstGeom prst="rect">
+            <a:avLst/>
+          </a:prstGeom>
+          <a:noFill/>
+        </p:spPr>
+        <p:txBody>
+          <a:bodyPr wrap="square" rtlCol="0">
+            <a:spAutoFit/>
+          </a:bodyPr>
+          <a:lstStyle/>
+          <a:p>
+            <a:r>
+              <a:rPr lang="en-US" u="sng" dirty="0"/>
+              <a:t>Unit Test</a:t>
+            </a:r>
+          </a:p>
+        </p:txBody>
+      </p:sp>
+      <p:pic>
+        <p:nvPicPr>
+          <p:cNvPr id="9" name="Picture 8">
+            <a:extLst>
+              <a:ext uri="{FF2B5EF4-FFF2-40B4-BE49-F238E27FC236}">
+                <a16:creationId xmlns:a16="http://schemas.microsoft.com/office/drawing/2014/main" id="{CE5EDD23-1535-F544-89AB-7C66CD9E63D5}"/>
+              </a:ext>
+            </a:extLst>
+          </p:cNvPr>
+          <p:cNvPicPr>
+            <a:picLocks noChangeAspect="1"/>
+          </p:cNvPicPr>
+          <p:nvPr/>
+        </p:nvPicPr>
+        <p:blipFill>
+          <a:blip r:embed="rId2">
+            <a:extLst>
+              <a:ext uri="{28A0092B-C50C-407E-A947-70E740481C1C}">
+                <a14:useLocalDpi xmlns:a14="http://schemas.microsoft.com/office/drawing/2010/main" val="0"/>
+              </a:ext>
+            </a:extLst>
+          </a:blip>
+          <a:stretch>
+            <a:fillRect/>
+          </a:stretch>
+        </p:blipFill>
+        <p:spPr>
+          <a:xfrm>
+            <a:off x="1371600" y="3607627"/>
+            <a:ext cx="6134100" cy="2425700"/>
+          </a:xfrm>
+          <a:prstGeom prst="rect">
+            <a:avLst/>
+          </a:prstGeom>
+        </p:spPr>
+      </p:pic>
+    </p:spTree>
+    <p:extLst>
+      <p:ext uri="{BB962C8B-B14F-4D97-AF65-F5344CB8AC3E}">
+        <p14:creationId xmlns:p14="http://schemas.microsoft.com/office/powerpoint/2010/main" val="3275477272"/>
+      </p:ext>
+    </p:extLst>
+  </p:cSld>
+  <p:clrMapOvr>
+    <a:masterClrMapping/>
+  </p:clrMapOvr>
+</p:sld>
+</file>
+
 <file path=ppt/slides/slide2.xml><?xml version="1.0" encoding="utf-8"?>
 <p:sld xmlns:a="http://schemas.openxmlformats.org/drawingml/2006/main" xmlns:r="http://schemas.openxmlformats.org/officeDocument/2006/relationships" xmlns:p="http://schemas.openxmlformats.org/presentationml/2006/main">
   <p:cSld>

--- a/PowerPoint Slides/CSC 439 Sprint Week 4.pptx
+++ b/PowerPoint Slides/CSC 439 Sprint Week 4.pptx
@@ -15,12 +15,13 @@
     <p:sldId id="267" r:id="rId9"/>
     <p:sldId id="259" r:id="rId10"/>
     <p:sldId id="264" r:id="rId11"/>
-    <p:sldId id="260" r:id="rId12"/>
-    <p:sldId id="261" r:id="rId13"/>
-    <p:sldId id="263" r:id="rId14"/>
-    <p:sldId id="262" r:id="rId15"/>
-    <p:sldId id="270" r:id="rId16"/>
-    <p:sldId id="271" r:id="rId17"/>
+    <p:sldId id="272" r:id="rId12"/>
+    <p:sldId id="260" r:id="rId13"/>
+    <p:sldId id="261" r:id="rId14"/>
+    <p:sldId id="263" r:id="rId15"/>
+    <p:sldId id="262" r:id="rId16"/>
+    <p:sldId id="270" r:id="rId17"/>
+    <p:sldId id="271" r:id="rId18"/>
   </p:sldIdLst>
   <p:sldSz cx="12192000" cy="6858000"/>
   <p:notesSz cx="6858000" cy="9144000"/>
@@ -3866,7 +3867,7 @@
           <p:cNvPr id="2" name="Title 1">
             <a:extLst>
               <a:ext uri="{FF2B5EF4-FFF2-40B4-BE49-F238E27FC236}">
-                <a16:creationId xmlns:a16="http://schemas.microsoft.com/office/drawing/2014/main" id="{F8AA9C60-0696-4962-859B-5044DD80E333}"/>
+                <a16:creationId xmlns:a16="http://schemas.microsoft.com/office/drawing/2014/main" xmlns="" id="{F8AA9C60-0696-4962-859B-5044DD80E333}"/>
               </a:ext>
             </a:extLst>
           </p:cNvPr>
@@ -3894,7 +3895,7 @@
           <p:cNvPr id="3" name="Subtitle 2">
             <a:extLst>
               <a:ext uri="{FF2B5EF4-FFF2-40B4-BE49-F238E27FC236}">
-                <a16:creationId xmlns:a16="http://schemas.microsoft.com/office/drawing/2014/main" id="{3636A549-63BB-44DB-9F3A-39EF320ACCB2}"/>
+                <a16:creationId xmlns:a16="http://schemas.microsoft.com/office/drawing/2014/main" xmlns="" id="{3636A549-63BB-44DB-9F3A-39EF320ACCB2}"/>
               </a:ext>
             </a:extLst>
           </p:cNvPr>
@@ -3960,7 +3961,7 @@
           <p:cNvPr id="4" name="Content Placeholder 3">
             <a:extLst>
               <a:ext uri="{FF2B5EF4-FFF2-40B4-BE49-F238E27FC236}">
-                <a16:creationId xmlns:a16="http://schemas.microsoft.com/office/drawing/2014/main" id="{1BCE562E-945E-492A-8089-AF34FAEAD0E5}"/>
+                <a16:creationId xmlns:a16="http://schemas.microsoft.com/office/drawing/2014/main" xmlns="" id="{1BCE562E-945E-492A-8089-AF34FAEAD0E5}"/>
               </a:ext>
             </a:extLst>
           </p:cNvPr>
@@ -3992,7 +3993,7 @@
           <p:cNvPr id="5" name="Picture 4">
             <a:extLst>
               <a:ext uri="{FF2B5EF4-FFF2-40B4-BE49-F238E27FC236}">
-                <a16:creationId xmlns:a16="http://schemas.microsoft.com/office/drawing/2014/main" id="{8A6E5AA4-6C97-4676-BC4B-526C2B3EEFB3}"/>
+                <a16:creationId xmlns:a16="http://schemas.microsoft.com/office/drawing/2014/main" xmlns="" id="{8A6E5AA4-6C97-4676-BC4B-526C2B3EEFB3}"/>
               </a:ext>
             </a:extLst>
           </p:cNvPr>
@@ -4049,64 +4050,86 @@
       </p:grpSpPr>
       <p:sp>
         <p:nvSpPr>
-          <p:cNvPr id="2" name="Title 1">
+          <p:cNvPr id="2" name="Title 1"/>
+          <p:cNvSpPr>
+            <a:spLocks noGrp="1"/>
+          </p:cNvSpPr>
+          <p:nvPr>
+            <p:ph type="title"/>
+          </p:nvPr>
+        </p:nvSpPr>
+        <p:spPr/>
+        <p:txBody>
+          <a:bodyPr/>
+          <a:lstStyle/>
+          <a:p>
+            <a:endParaRPr lang="en-US"/>
+          </a:p>
+        </p:txBody>
+      </p:sp>
+      <p:pic>
+        <p:nvPicPr>
+          <p:cNvPr id="4" name="Content Placeholder 3"/>
+          <p:cNvPicPr>
+            <a:picLocks noGrp="1" noChangeAspect="1"/>
+          </p:cNvPicPr>
+          <p:nvPr>
+            <p:ph idx="1"/>
+          </p:nvPr>
+        </p:nvPicPr>
+        <p:blipFill>
+          <a:blip r:embed="rId2">
             <a:extLst>
-              <a:ext uri="{FF2B5EF4-FFF2-40B4-BE49-F238E27FC236}">
-                <a16:creationId xmlns:a16="http://schemas.microsoft.com/office/drawing/2014/main" id="{1FAAB992-3FF2-449C-BF6B-F595EEC258E9}"/>
+              <a:ext uri="{28A0092B-C50C-407E-A947-70E740481C1C}">
+                <a14:useLocalDpi xmlns:a14="http://schemas.microsoft.com/office/drawing/2010/main" val="0"/>
               </a:ext>
             </a:extLst>
-          </p:cNvPr>
-          <p:cNvSpPr>
-            <a:spLocks noGrp="1"/>
-          </p:cNvSpPr>
-          <p:nvPr>
-            <p:ph type="title"/>
-          </p:nvPr>
-        </p:nvSpPr>
-        <p:spPr/>
-        <p:txBody>
-          <a:bodyPr/>
-          <a:lstStyle/>
-          <a:p>
-            <a:r>
-              <a:rPr lang="en-US" dirty="0"/>
-              <a:t>SCM Manager: James Craig</a:t>
-            </a:r>
-          </a:p>
-        </p:txBody>
-      </p:sp>
-      <p:sp>
-        <p:nvSpPr>
-          <p:cNvPr id="3" name="Content Placeholder 2">
+          </a:blip>
+          <a:stretch>
+            <a:fillRect/>
+          </a:stretch>
+        </p:blipFill>
+        <p:spPr>
+          <a:xfrm>
+            <a:off x="1371600" y="130957"/>
+            <a:ext cx="10058400" cy="1353286"/>
+          </a:xfrm>
+        </p:spPr>
+      </p:pic>
+      <p:pic>
+        <p:nvPicPr>
+          <p:cNvPr id="5" name="Picture 4"/>
+          <p:cNvPicPr>
+            <a:picLocks noChangeAspect="1"/>
+          </p:cNvPicPr>
+          <p:nvPr/>
+        </p:nvPicPr>
+        <p:blipFill>
+          <a:blip r:embed="rId3">
             <a:extLst>
-              <a:ext uri="{FF2B5EF4-FFF2-40B4-BE49-F238E27FC236}">
-                <a16:creationId xmlns:a16="http://schemas.microsoft.com/office/drawing/2014/main" id="{4F5E2575-14B0-4EA3-A510-1E41A86640AC}"/>
+              <a:ext uri="{28A0092B-C50C-407E-A947-70E740481C1C}">
+                <a14:useLocalDpi xmlns:a14="http://schemas.microsoft.com/office/drawing/2010/main" val="0"/>
               </a:ext>
             </a:extLst>
-          </p:cNvPr>
-          <p:cNvSpPr>
-            <a:spLocks noGrp="1"/>
-          </p:cNvSpPr>
-          <p:nvPr>
-            <p:ph idx="1"/>
-          </p:nvPr>
-        </p:nvSpPr>
-        <p:spPr/>
-        <p:txBody>
-          <a:bodyPr/>
-          <a:lstStyle/>
-          <a:p>
-            <a:r>
-              <a:rPr lang="en-US" dirty="0"/>
-              <a:t>Paging and sorting to the search/inventory pages.</a:t>
-            </a:r>
-          </a:p>
-        </p:txBody>
-      </p:sp>
+          </a:blip>
+          <a:stretch>
+            <a:fillRect/>
+          </a:stretch>
+        </p:blipFill>
+        <p:spPr>
+          <a:xfrm>
+            <a:off x="1371600" y="1795486"/>
+            <a:ext cx="10058400" cy="4790908"/>
+          </a:xfrm>
+          <a:prstGeom prst="rect">
+            <a:avLst/>
+          </a:prstGeom>
+        </p:spPr>
+      </p:pic>
     </p:spTree>
     <p:extLst>
       <p:ext uri="{BB962C8B-B14F-4D97-AF65-F5344CB8AC3E}">
-        <p14:creationId xmlns:p14="http://schemas.microsoft.com/office/powerpoint/2010/main" val="547059695"/>
+        <p14:creationId xmlns:p14="http://schemas.microsoft.com/office/powerpoint/2010/main" val="961731930"/>
       </p:ext>
     </p:extLst>
   </p:cSld>
@@ -4138,7 +4161,7 @@
           <p:cNvPr id="2" name="Title 1">
             <a:extLst>
               <a:ext uri="{FF2B5EF4-FFF2-40B4-BE49-F238E27FC236}">
-                <a16:creationId xmlns:a16="http://schemas.microsoft.com/office/drawing/2014/main" id="{3B999B43-513A-45AA-A8A4-ECF94B181414}"/>
+                <a16:creationId xmlns:a16="http://schemas.microsoft.com/office/drawing/2014/main" xmlns="" id="{1FAAB992-3FF2-449C-BF6B-F595EEC258E9}"/>
               </a:ext>
             </a:extLst>
           </p:cNvPr>
@@ -4156,55 +4179,43 @@
           <a:p>
             <a:r>
               <a:rPr lang="en-US" dirty="0"/>
-              <a:t>Reed </a:t>
-            </a:r>
-            <a:r>
-              <a:rPr lang="en-US" dirty="0" err="1"/>
-              <a:t>Inderwiesche</a:t>
-            </a:r>
-            <a:r>
-              <a:rPr lang="en-US" dirty="0"/>
-              <a:t> : Tester</a:t>
-            </a:r>
-          </a:p>
-        </p:txBody>
-      </p:sp>
-      <p:pic>
-        <p:nvPicPr>
-          <p:cNvPr id="4" name="Content Placeholder 3">
+              <a:t>SCM Manager: James Craig</a:t>
+            </a:r>
+          </a:p>
+        </p:txBody>
+      </p:sp>
+      <p:sp>
+        <p:nvSpPr>
+          <p:cNvPr id="3" name="Content Placeholder 2">
             <a:extLst>
               <a:ext uri="{FF2B5EF4-FFF2-40B4-BE49-F238E27FC236}">
-                <a16:creationId xmlns:a16="http://schemas.microsoft.com/office/drawing/2014/main" id="{4BED1DF4-79D6-4815-9DAB-C846DCAB0FD9}"/>
+                <a16:creationId xmlns:a16="http://schemas.microsoft.com/office/drawing/2014/main" xmlns="" id="{4F5E2575-14B0-4EA3-A510-1E41A86640AC}"/>
               </a:ext>
             </a:extLst>
           </p:cNvPr>
-          <p:cNvPicPr>
-            <a:picLocks noGrp="1" noChangeAspect="1"/>
-          </p:cNvPicPr>
+          <p:cNvSpPr>
+            <a:spLocks noGrp="1"/>
+          </p:cNvSpPr>
           <p:nvPr>
             <p:ph idx="1"/>
           </p:nvPr>
-        </p:nvPicPr>
-        <p:blipFill>
-          <a:blip r:embed="rId2"/>
-          <a:stretch>
-            <a:fillRect/>
-          </a:stretch>
-        </p:blipFill>
-        <p:spPr>
-          <a:xfrm>
-            <a:off x="1487642" y="1450408"/>
-            <a:ext cx="8394296" cy="4721792"/>
-          </a:xfrm>
-          <a:prstGeom prst="rect">
-            <a:avLst/>
-          </a:prstGeom>
-        </p:spPr>
-      </p:pic>
+        </p:nvSpPr>
+        <p:spPr/>
+        <p:txBody>
+          <a:bodyPr/>
+          <a:lstStyle/>
+          <a:p>
+            <a:r>
+              <a:rPr lang="en-US" dirty="0"/>
+              <a:t>Paging and sorting to the search/inventory pages.</a:t>
+            </a:r>
+          </a:p>
+        </p:txBody>
+      </p:sp>
     </p:spTree>
     <p:extLst>
       <p:ext uri="{BB962C8B-B14F-4D97-AF65-F5344CB8AC3E}">
-        <p14:creationId xmlns:p14="http://schemas.microsoft.com/office/powerpoint/2010/main" val="2998504583"/>
+        <p14:creationId xmlns:p14="http://schemas.microsoft.com/office/powerpoint/2010/main" val="547059695"/>
       </p:ext>
     </p:extLst>
   </p:cSld>
@@ -4231,19 +4242,57 @@
           <a:chExt cx="0" cy="0"/>
         </a:xfrm>
       </p:grpSpPr>
+      <p:sp>
+        <p:nvSpPr>
+          <p:cNvPr id="2" name="Title 1">
+            <a:extLst>
+              <a:ext uri="{FF2B5EF4-FFF2-40B4-BE49-F238E27FC236}">
+                <a16:creationId xmlns:a16="http://schemas.microsoft.com/office/drawing/2014/main" xmlns="" id="{3B999B43-513A-45AA-A8A4-ECF94B181414}"/>
+              </a:ext>
+            </a:extLst>
+          </p:cNvPr>
+          <p:cNvSpPr>
+            <a:spLocks noGrp="1"/>
+          </p:cNvSpPr>
+          <p:nvPr>
+            <p:ph type="title"/>
+          </p:nvPr>
+        </p:nvSpPr>
+        <p:spPr/>
+        <p:txBody>
+          <a:bodyPr/>
+          <a:lstStyle/>
+          <a:p>
+            <a:r>
+              <a:rPr lang="en-US" dirty="0"/>
+              <a:t>Reed </a:t>
+            </a:r>
+            <a:r>
+              <a:rPr lang="en-US" dirty="0" err="1"/>
+              <a:t>Inderwiesche</a:t>
+            </a:r>
+            <a:r>
+              <a:rPr lang="en-US" dirty="0"/>
+              <a:t> : Tester</a:t>
+            </a:r>
+          </a:p>
+        </p:txBody>
+      </p:sp>
       <p:pic>
         <p:nvPicPr>
-          <p:cNvPr id="4" name="Picture 3">
+          <p:cNvPr id="4" name="Content Placeholder 3">
             <a:extLst>
               <a:ext uri="{FF2B5EF4-FFF2-40B4-BE49-F238E27FC236}">
-                <a16:creationId xmlns:a16="http://schemas.microsoft.com/office/drawing/2014/main" id="{BA459C00-2514-49AB-997D-CF8ABBEFF293}"/>
+                <a16:creationId xmlns:a16="http://schemas.microsoft.com/office/drawing/2014/main" xmlns="" id="{4BED1DF4-79D6-4815-9DAB-C846DCAB0FD9}"/>
               </a:ext>
             </a:extLst>
           </p:cNvPr>
           <p:cNvPicPr>
-            <a:picLocks noChangeAspect="1"/>
+            <a:picLocks noGrp="1" noChangeAspect="1"/>
           </p:cNvPicPr>
-          <p:nvPr/>
+          <p:nvPr>
+            <p:ph idx="1"/>
+          </p:nvPr>
         </p:nvPicPr>
         <p:blipFill>
           <a:blip r:embed="rId2"/>
@@ -4253,8 +4302,8 @@
         </p:blipFill>
         <p:spPr>
           <a:xfrm>
-            <a:off x="1540043" y="708359"/>
-            <a:ext cx="9673389" cy="5441282"/>
+            <a:off x="1487642" y="1450408"/>
+            <a:ext cx="8394296" cy="4721792"/>
           </a:xfrm>
           <a:prstGeom prst="rect">
             <a:avLst/>
@@ -4264,7 +4313,7 @@
     </p:spTree>
     <p:extLst>
       <p:ext uri="{BB962C8B-B14F-4D97-AF65-F5344CB8AC3E}">
-        <p14:creationId xmlns:p14="http://schemas.microsoft.com/office/powerpoint/2010/main" val="4149265098"/>
+        <p14:creationId xmlns:p14="http://schemas.microsoft.com/office/powerpoint/2010/main" val="2998504583"/>
       </p:ext>
     </p:extLst>
   </p:cSld>
@@ -4291,79 +4340,12 @@
           <a:chExt cx="0" cy="0"/>
         </a:xfrm>
       </p:grpSpPr>
-      <p:sp>
-        <p:nvSpPr>
-          <p:cNvPr id="2" name="Title 1">
+      <p:pic>
+        <p:nvPicPr>
+          <p:cNvPr id="4" name="Picture 3">
             <a:extLst>
               <a:ext uri="{FF2B5EF4-FFF2-40B4-BE49-F238E27FC236}">
-                <a16:creationId xmlns:a16="http://schemas.microsoft.com/office/drawing/2014/main" id="{FE7AE5D2-2834-46AD-B7BF-75A863EFEC6B}"/>
-              </a:ext>
-            </a:extLst>
-          </p:cNvPr>
-          <p:cNvSpPr>
-            <a:spLocks noGrp="1"/>
-          </p:cNvSpPr>
-          <p:nvPr>
-            <p:ph type="title"/>
-          </p:nvPr>
-        </p:nvSpPr>
-        <p:spPr/>
-        <p:txBody>
-          <a:bodyPr/>
-          <a:lstStyle/>
-          <a:p>
-            <a:r>
-              <a:rPr lang="en-US" dirty="0"/>
-              <a:t>Tester: Chris Wells</a:t>
-            </a:r>
-          </a:p>
-        </p:txBody>
-      </p:sp>
-      <p:sp>
-        <p:nvSpPr>
-          <p:cNvPr id="3" name="Content Placeholder 2">
-            <a:extLst>
-              <a:ext uri="{FF2B5EF4-FFF2-40B4-BE49-F238E27FC236}">
-                <a16:creationId xmlns:a16="http://schemas.microsoft.com/office/drawing/2014/main" id="{E59F8A11-8E43-4671-8096-3F201897DA77}"/>
-              </a:ext>
-            </a:extLst>
-          </p:cNvPr>
-          <p:cNvSpPr>
-            <a:spLocks noGrp="1"/>
-          </p:cNvSpPr>
-          <p:nvPr>
-            <p:ph idx="1"/>
-          </p:nvPr>
-        </p:nvSpPr>
-        <p:spPr>
-          <a:xfrm>
-            <a:off x="1371600" y="2286000"/>
-            <a:ext cx="9601200" cy="510209"/>
-          </a:xfrm>
-        </p:spPr>
-        <p:txBody>
-          <a:bodyPr/>
-          <a:lstStyle/>
-          <a:p>
-            <a:r>
-              <a:rPr lang="en-US" dirty="0"/>
-              <a:t>Made the search bar retain previous search term and type for user reference. </a:t>
-            </a:r>
-          </a:p>
-          <a:p>
-            <a:pPr marL="0" indent="0">
-              <a:buNone/>
-            </a:pPr>
-            <a:endParaRPr lang="en-US" dirty="0"/>
-          </a:p>
-        </p:txBody>
-      </p:sp>
-      <p:pic>
-        <p:nvPicPr>
-          <p:cNvPr id="5" name="Picture 4">
-            <a:extLst>
-              <a:ext uri="{FF2B5EF4-FFF2-40B4-BE49-F238E27FC236}">
-                <a16:creationId xmlns:a16="http://schemas.microsoft.com/office/drawing/2014/main" id="{C2067A05-0CF5-CB41-B38B-74676EA016B0}"/>
+                <a16:creationId xmlns:a16="http://schemas.microsoft.com/office/drawing/2014/main" xmlns="" id="{BA459C00-2514-49AB-997D-CF8ABBEFF293}"/>
               </a:ext>
             </a:extLst>
           </p:cNvPr>
@@ -4373,66 +4355,25 @@
           <p:nvPr/>
         </p:nvPicPr>
         <p:blipFill>
-          <a:blip r:embed="rId2">
-            <a:extLst>
-              <a:ext uri="{28A0092B-C50C-407E-A947-70E740481C1C}">
-                <a14:useLocalDpi xmlns:a14="http://schemas.microsoft.com/office/drawing/2010/main" val="0"/>
-              </a:ext>
-            </a:extLst>
-          </a:blip>
+          <a:blip r:embed="rId2"/>
           <a:stretch>
             <a:fillRect/>
           </a:stretch>
         </p:blipFill>
         <p:spPr>
           <a:xfrm>
-            <a:off x="1371599" y="3607628"/>
-            <a:ext cx="5893677" cy="2965450"/>
+            <a:off x="1540043" y="708359"/>
+            <a:ext cx="9673389" cy="5441282"/>
           </a:xfrm>
           <a:prstGeom prst="rect">
             <a:avLst/>
           </a:prstGeom>
         </p:spPr>
       </p:pic>
-      <p:sp>
-        <p:nvSpPr>
-          <p:cNvPr id="6" name="TextBox 5">
-            <a:extLst>
-              <a:ext uri="{FF2B5EF4-FFF2-40B4-BE49-F238E27FC236}">
-                <a16:creationId xmlns:a16="http://schemas.microsoft.com/office/drawing/2014/main" id="{2920349E-87B5-E745-9FD3-97E462D69ADC}"/>
-              </a:ext>
-            </a:extLst>
-          </p:cNvPr>
-          <p:cNvSpPr txBox="1"/>
-          <p:nvPr/>
-        </p:nvSpPr>
-        <p:spPr>
-          <a:xfrm>
-            <a:off x="1371600" y="3017252"/>
-            <a:ext cx="1040296" cy="369332"/>
-          </a:xfrm>
-          <a:prstGeom prst="rect">
-            <a:avLst/>
-          </a:prstGeom>
-          <a:noFill/>
-        </p:spPr>
-        <p:txBody>
-          <a:bodyPr wrap="square" rtlCol="0">
-            <a:spAutoFit/>
-          </a:bodyPr>
-          <a:lstStyle/>
-          <a:p>
-            <a:r>
-              <a:rPr lang="en-US" u="sng" dirty="0"/>
-              <a:t>Before</a:t>
-            </a:r>
-          </a:p>
-        </p:txBody>
-      </p:sp>
     </p:spTree>
     <p:extLst>
       <p:ext uri="{BB962C8B-B14F-4D97-AF65-F5344CB8AC3E}">
-        <p14:creationId xmlns:p14="http://schemas.microsoft.com/office/powerpoint/2010/main" val="2377181227"/>
+        <p14:creationId xmlns:p14="http://schemas.microsoft.com/office/powerpoint/2010/main" val="4149265098"/>
       </p:ext>
     </p:extLst>
   </p:cSld>
@@ -4464,7 +4405,7 @@
           <p:cNvPr id="2" name="Title 1">
             <a:extLst>
               <a:ext uri="{FF2B5EF4-FFF2-40B4-BE49-F238E27FC236}">
-                <a16:creationId xmlns:a16="http://schemas.microsoft.com/office/drawing/2014/main" id="{FE7AE5D2-2834-46AD-B7BF-75A863EFEC6B}"/>
+                <a16:creationId xmlns:a16="http://schemas.microsoft.com/office/drawing/2014/main" xmlns="" id="{FE7AE5D2-2834-46AD-B7BF-75A863EFEC6B}"/>
               </a:ext>
             </a:extLst>
           </p:cNvPr>
@@ -4492,7 +4433,7 @@
           <p:cNvPr id="3" name="Content Placeholder 2">
             <a:extLst>
               <a:ext uri="{FF2B5EF4-FFF2-40B4-BE49-F238E27FC236}">
-                <a16:creationId xmlns:a16="http://schemas.microsoft.com/office/drawing/2014/main" id="{E59F8A11-8E43-4671-8096-3F201897DA77}"/>
+                <a16:creationId xmlns:a16="http://schemas.microsoft.com/office/drawing/2014/main" xmlns="" id="{E59F8A11-8E43-4671-8096-3F201897DA77}"/>
               </a:ext>
             </a:extLst>
           </p:cNvPr>
@@ -4526,47 +4467,12 @@
           </a:p>
         </p:txBody>
       </p:sp>
-      <p:sp>
-        <p:nvSpPr>
-          <p:cNvPr id="6" name="TextBox 5">
+      <p:pic>
+        <p:nvPicPr>
+          <p:cNvPr id="5" name="Picture 4">
             <a:extLst>
               <a:ext uri="{FF2B5EF4-FFF2-40B4-BE49-F238E27FC236}">
-                <a16:creationId xmlns:a16="http://schemas.microsoft.com/office/drawing/2014/main" id="{2920349E-87B5-E745-9FD3-97E462D69ADC}"/>
-              </a:ext>
-            </a:extLst>
-          </p:cNvPr>
-          <p:cNvSpPr txBox="1"/>
-          <p:nvPr/>
-        </p:nvSpPr>
-        <p:spPr>
-          <a:xfrm>
-            <a:off x="1371600" y="3017252"/>
-            <a:ext cx="1040296" cy="369332"/>
-          </a:xfrm>
-          <a:prstGeom prst="rect">
-            <a:avLst/>
-          </a:prstGeom>
-          <a:noFill/>
-        </p:spPr>
-        <p:txBody>
-          <a:bodyPr wrap="square" rtlCol="0">
-            <a:spAutoFit/>
-          </a:bodyPr>
-          <a:lstStyle/>
-          <a:p>
-            <a:r>
-              <a:rPr lang="en-US" u="sng" dirty="0"/>
-              <a:t>After</a:t>
-            </a:r>
-          </a:p>
-        </p:txBody>
-      </p:sp>
-      <p:pic>
-        <p:nvPicPr>
-          <p:cNvPr id="8" name="Picture 7">
-            <a:extLst>
-              <a:ext uri="{FF2B5EF4-FFF2-40B4-BE49-F238E27FC236}">
-                <a16:creationId xmlns:a16="http://schemas.microsoft.com/office/drawing/2014/main" id="{378A3E0B-875A-3844-99C8-F5B1C3F8EE30}"/>
+                <a16:creationId xmlns:a16="http://schemas.microsoft.com/office/drawing/2014/main" xmlns="" id="{C2067A05-0CF5-CB41-B38B-74676EA016B0}"/>
               </a:ext>
             </a:extLst>
           </p:cNvPr>
@@ -4589,18 +4495,53 @@
         </p:blipFill>
         <p:spPr>
           <a:xfrm>
-            <a:off x="1371600" y="3607626"/>
-            <a:ext cx="10062087" cy="1878773"/>
+            <a:off x="1371599" y="3607628"/>
+            <a:ext cx="5893677" cy="2965450"/>
           </a:xfrm>
           <a:prstGeom prst="rect">
             <a:avLst/>
           </a:prstGeom>
         </p:spPr>
       </p:pic>
+      <p:sp>
+        <p:nvSpPr>
+          <p:cNvPr id="6" name="TextBox 5">
+            <a:extLst>
+              <a:ext uri="{FF2B5EF4-FFF2-40B4-BE49-F238E27FC236}">
+                <a16:creationId xmlns:a16="http://schemas.microsoft.com/office/drawing/2014/main" xmlns="" id="{2920349E-87B5-E745-9FD3-97E462D69ADC}"/>
+              </a:ext>
+            </a:extLst>
+          </p:cNvPr>
+          <p:cNvSpPr txBox="1"/>
+          <p:nvPr/>
+        </p:nvSpPr>
+        <p:spPr>
+          <a:xfrm>
+            <a:off x="1371600" y="3017252"/>
+            <a:ext cx="1040296" cy="369332"/>
+          </a:xfrm>
+          <a:prstGeom prst="rect">
+            <a:avLst/>
+          </a:prstGeom>
+          <a:noFill/>
+        </p:spPr>
+        <p:txBody>
+          <a:bodyPr wrap="square" rtlCol="0">
+            <a:spAutoFit/>
+          </a:bodyPr>
+          <a:lstStyle/>
+          <a:p>
+            <a:r>
+              <a:rPr lang="en-US" u="sng" dirty="0"/>
+              <a:t>Before</a:t>
+            </a:r>
+          </a:p>
+        </p:txBody>
+      </p:sp>
     </p:spTree>
     <p:extLst>
       <p:ext uri="{BB962C8B-B14F-4D97-AF65-F5344CB8AC3E}">
-        <p14:creationId xmlns:p14="http://schemas.microsoft.com/office/powerpoint/2010/main" val="818837157"/>
+        <p14:creationId xmlns:p14="http://schemas.microsoft.com/office/powerpoint/2010/main" val="2377181227"/>
       </p:ext>
     </p:extLst>
   </p:cSld>
@@ -4632,7 +4573,7 @@
           <p:cNvPr id="2" name="Title 1">
             <a:extLst>
               <a:ext uri="{FF2B5EF4-FFF2-40B4-BE49-F238E27FC236}">
-                <a16:creationId xmlns:a16="http://schemas.microsoft.com/office/drawing/2014/main" id="{FE7AE5D2-2834-46AD-B7BF-75A863EFEC6B}"/>
+                <a16:creationId xmlns:a16="http://schemas.microsoft.com/office/drawing/2014/main" xmlns="" id="{FE7AE5D2-2834-46AD-B7BF-75A863EFEC6B}"/>
               </a:ext>
             </a:extLst>
           </p:cNvPr>
@@ -4660,7 +4601,7 @@
           <p:cNvPr id="3" name="Content Placeholder 2">
             <a:extLst>
               <a:ext uri="{FF2B5EF4-FFF2-40B4-BE49-F238E27FC236}">
-                <a16:creationId xmlns:a16="http://schemas.microsoft.com/office/drawing/2014/main" id="{E59F8A11-8E43-4671-8096-3F201897DA77}"/>
+                <a16:creationId xmlns:a16="http://schemas.microsoft.com/office/drawing/2014/main" xmlns="" id="{E59F8A11-8E43-4671-8096-3F201897DA77}"/>
               </a:ext>
             </a:extLst>
           </p:cNvPr>
@@ -4699,7 +4640,7 @@
           <p:cNvPr id="6" name="TextBox 5">
             <a:extLst>
               <a:ext uri="{FF2B5EF4-FFF2-40B4-BE49-F238E27FC236}">
-                <a16:creationId xmlns:a16="http://schemas.microsoft.com/office/drawing/2014/main" id="{2920349E-87B5-E745-9FD3-97E462D69ADC}"/>
+                <a16:creationId xmlns:a16="http://schemas.microsoft.com/office/drawing/2014/main" xmlns="" id="{2920349E-87B5-E745-9FD3-97E462D69ADC}"/>
               </a:ext>
             </a:extLst>
           </p:cNvPr>
@@ -4724,6 +4665,174 @@
           <a:p>
             <a:r>
               <a:rPr lang="en-US" u="sng" dirty="0"/>
+              <a:t>After</a:t>
+            </a:r>
+          </a:p>
+        </p:txBody>
+      </p:sp>
+      <p:pic>
+        <p:nvPicPr>
+          <p:cNvPr id="8" name="Picture 7">
+            <a:extLst>
+              <a:ext uri="{FF2B5EF4-FFF2-40B4-BE49-F238E27FC236}">
+                <a16:creationId xmlns:a16="http://schemas.microsoft.com/office/drawing/2014/main" xmlns="" id="{378A3E0B-875A-3844-99C8-F5B1C3F8EE30}"/>
+              </a:ext>
+            </a:extLst>
+          </p:cNvPr>
+          <p:cNvPicPr>
+            <a:picLocks noChangeAspect="1"/>
+          </p:cNvPicPr>
+          <p:nvPr/>
+        </p:nvPicPr>
+        <p:blipFill>
+          <a:blip r:embed="rId2">
+            <a:extLst>
+              <a:ext uri="{28A0092B-C50C-407E-A947-70E740481C1C}">
+                <a14:useLocalDpi xmlns:a14="http://schemas.microsoft.com/office/drawing/2010/main" val="0"/>
+              </a:ext>
+            </a:extLst>
+          </a:blip>
+          <a:stretch>
+            <a:fillRect/>
+          </a:stretch>
+        </p:blipFill>
+        <p:spPr>
+          <a:xfrm>
+            <a:off x="1371600" y="3607626"/>
+            <a:ext cx="10062087" cy="1878773"/>
+          </a:xfrm>
+          <a:prstGeom prst="rect">
+            <a:avLst/>
+          </a:prstGeom>
+        </p:spPr>
+      </p:pic>
+    </p:spTree>
+    <p:extLst>
+      <p:ext uri="{BB962C8B-B14F-4D97-AF65-F5344CB8AC3E}">
+        <p14:creationId xmlns:p14="http://schemas.microsoft.com/office/powerpoint/2010/main" val="818837157"/>
+      </p:ext>
+    </p:extLst>
+  </p:cSld>
+  <p:clrMapOvr>
+    <a:masterClrMapping/>
+  </p:clrMapOvr>
+</p:sld>
+</file>
+
+<file path=ppt/slides/slide17.xml><?xml version="1.0" encoding="utf-8"?>
+<p:sld xmlns:a="http://schemas.openxmlformats.org/drawingml/2006/main" xmlns:r="http://schemas.openxmlformats.org/officeDocument/2006/relationships" xmlns:p="http://schemas.openxmlformats.org/presentationml/2006/main">
+  <p:cSld>
+    <p:spTree>
+      <p:nvGrpSpPr>
+        <p:cNvPr id="1" name=""/>
+        <p:cNvGrpSpPr/>
+        <p:nvPr/>
+      </p:nvGrpSpPr>
+      <p:grpSpPr>
+        <a:xfrm>
+          <a:off x="0" y="0"/>
+          <a:ext cx="0" cy="0"/>
+          <a:chOff x="0" y="0"/>
+          <a:chExt cx="0" cy="0"/>
+        </a:xfrm>
+      </p:grpSpPr>
+      <p:sp>
+        <p:nvSpPr>
+          <p:cNvPr id="2" name="Title 1">
+            <a:extLst>
+              <a:ext uri="{FF2B5EF4-FFF2-40B4-BE49-F238E27FC236}">
+                <a16:creationId xmlns:a16="http://schemas.microsoft.com/office/drawing/2014/main" xmlns="" id="{FE7AE5D2-2834-46AD-B7BF-75A863EFEC6B}"/>
+              </a:ext>
+            </a:extLst>
+          </p:cNvPr>
+          <p:cNvSpPr>
+            <a:spLocks noGrp="1"/>
+          </p:cNvSpPr>
+          <p:nvPr>
+            <p:ph type="title"/>
+          </p:nvPr>
+        </p:nvSpPr>
+        <p:spPr/>
+        <p:txBody>
+          <a:bodyPr/>
+          <a:lstStyle/>
+          <a:p>
+            <a:r>
+              <a:rPr lang="en-US" dirty="0"/>
+              <a:t>Tester: Chris Wells</a:t>
+            </a:r>
+          </a:p>
+        </p:txBody>
+      </p:sp>
+      <p:sp>
+        <p:nvSpPr>
+          <p:cNvPr id="3" name="Content Placeholder 2">
+            <a:extLst>
+              <a:ext uri="{FF2B5EF4-FFF2-40B4-BE49-F238E27FC236}">
+                <a16:creationId xmlns:a16="http://schemas.microsoft.com/office/drawing/2014/main" xmlns="" id="{E59F8A11-8E43-4671-8096-3F201897DA77}"/>
+              </a:ext>
+            </a:extLst>
+          </p:cNvPr>
+          <p:cNvSpPr>
+            <a:spLocks noGrp="1"/>
+          </p:cNvSpPr>
+          <p:nvPr>
+            <p:ph idx="1"/>
+          </p:nvPr>
+        </p:nvSpPr>
+        <p:spPr>
+          <a:xfrm>
+            <a:off x="1371600" y="2286000"/>
+            <a:ext cx="9601200" cy="510209"/>
+          </a:xfrm>
+        </p:spPr>
+        <p:txBody>
+          <a:bodyPr/>
+          <a:lstStyle/>
+          <a:p>
+            <a:r>
+              <a:rPr lang="en-US" dirty="0"/>
+              <a:t>Made the search bar retain previous search term and type for user reference. </a:t>
+            </a:r>
+          </a:p>
+          <a:p>
+            <a:pPr marL="0" indent="0">
+              <a:buNone/>
+            </a:pPr>
+            <a:endParaRPr lang="en-US" dirty="0"/>
+          </a:p>
+        </p:txBody>
+      </p:sp>
+      <p:sp>
+        <p:nvSpPr>
+          <p:cNvPr id="6" name="TextBox 5">
+            <a:extLst>
+              <a:ext uri="{FF2B5EF4-FFF2-40B4-BE49-F238E27FC236}">
+                <a16:creationId xmlns:a16="http://schemas.microsoft.com/office/drawing/2014/main" xmlns="" id="{2920349E-87B5-E745-9FD3-97E462D69ADC}"/>
+              </a:ext>
+            </a:extLst>
+          </p:cNvPr>
+          <p:cNvSpPr txBox="1"/>
+          <p:nvPr/>
+        </p:nvSpPr>
+        <p:spPr>
+          <a:xfrm>
+            <a:off x="1371600" y="3017252"/>
+            <a:ext cx="1040296" cy="369332"/>
+          </a:xfrm>
+          <a:prstGeom prst="rect">
+            <a:avLst/>
+          </a:prstGeom>
+          <a:noFill/>
+        </p:spPr>
+        <p:txBody>
+          <a:bodyPr wrap="square" rtlCol="0">
+            <a:spAutoFit/>
+          </a:bodyPr>
+          <a:lstStyle/>
+          <a:p>
+            <a:r>
+              <a:rPr lang="en-US" u="sng" dirty="0"/>
               <a:t>Unit Test</a:t>
             </a:r>
           </a:p>
@@ -4734,7 +4843,7 @@
           <p:cNvPr id="9" name="Picture 8">
             <a:extLst>
               <a:ext uri="{FF2B5EF4-FFF2-40B4-BE49-F238E27FC236}">
-                <a16:creationId xmlns:a16="http://schemas.microsoft.com/office/drawing/2014/main" id="{CE5EDD23-1535-F544-89AB-7C66CD9E63D5}"/>
+                <a16:creationId xmlns:a16="http://schemas.microsoft.com/office/drawing/2014/main" xmlns="" id="{CE5EDD23-1535-F544-89AB-7C66CD9E63D5}"/>
               </a:ext>
             </a:extLst>
           </p:cNvPr>
@@ -4800,7 +4909,7 @@
           <p:cNvPr id="2" name="Title 1">
             <a:extLst>
               <a:ext uri="{FF2B5EF4-FFF2-40B4-BE49-F238E27FC236}">
-                <a16:creationId xmlns:a16="http://schemas.microsoft.com/office/drawing/2014/main" id="{96D707EC-5016-4BAF-8F4A-A65A1AB1C536}"/>
+                <a16:creationId xmlns:a16="http://schemas.microsoft.com/office/drawing/2014/main" xmlns="" id="{96D707EC-5016-4BAF-8F4A-A65A1AB1C536}"/>
               </a:ext>
             </a:extLst>
           </p:cNvPr>
@@ -4828,7 +4937,7 @@
           <p:cNvPr id="3" name="Content Placeholder 2">
             <a:extLst>
               <a:ext uri="{FF2B5EF4-FFF2-40B4-BE49-F238E27FC236}">
-                <a16:creationId xmlns:a16="http://schemas.microsoft.com/office/drawing/2014/main" id="{342D2FB9-6875-4DD4-8943-0245A4DAE320}"/>
+                <a16:creationId xmlns:a16="http://schemas.microsoft.com/office/drawing/2014/main" xmlns="" id="{342D2FB9-6875-4DD4-8943-0245A4DAE320}"/>
               </a:ext>
             </a:extLst>
           </p:cNvPr>
@@ -4944,10 +5053,10 @@
           <p:cNvPr id="8" name="Rectangle 7">
             <a:extLst>
               <a:ext uri="{FF2B5EF4-FFF2-40B4-BE49-F238E27FC236}">
-                <a16:creationId xmlns:a16="http://schemas.microsoft.com/office/drawing/2014/main" id="{A2B36470-9A0C-4C86-99EB-05358284D0DB}"/>
+                <a16:creationId xmlns:a16="http://schemas.microsoft.com/office/drawing/2014/main" xmlns="" id="{A2B36470-9A0C-4C86-99EB-05358284D0DB}"/>
               </a:ext>
               <a:ext uri="{C183D7F6-B498-43B3-948B-1728B52AA6E4}">
-                <adec:decorative xmlns:adec="http://schemas.microsoft.com/office/drawing/2017/decorative" val="1"/>
+                <adec:decorative xmlns:adec="http://schemas.microsoft.com/office/drawing/2017/decorative" xmlns="" val="1"/>
               </a:ext>
             </a:extLst>
           </p:cNvPr>
@@ -5004,10 +5113,10 @@
           <p:cNvPr id="10" name="Rectangle 9">
             <a:extLst>
               <a:ext uri="{FF2B5EF4-FFF2-40B4-BE49-F238E27FC236}">
-                <a16:creationId xmlns:a16="http://schemas.microsoft.com/office/drawing/2014/main" id="{0DD2F460-AD0F-49B5-80F2-18F1F65E34BC}"/>
+                <a16:creationId xmlns:a16="http://schemas.microsoft.com/office/drawing/2014/main" xmlns="" id="{0DD2F460-AD0F-49B5-80F2-18F1F65E34BC}"/>
               </a:ext>
               <a:ext uri="{C183D7F6-B498-43B3-948B-1728B52AA6E4}">
-                <adec:decorative xmlns:adec="http://schemas.microsoft.com/office/drawing/2017/decorative" val="1"/>
+                <adec:decorative xmlns:adec="http://schemas.microsoft.com/office/drawing/2017/decorative" xmlns="" val="1"/>
               </a:ext>
             </a:extLst>
           </p:cNvPr>
@@ -5074,7 +5183,7 @@
           <p:cNvPr id="3" name="Picture 2">
             <a:extLst>
               <a:ext uri="{FF2B5EF4-FFF2-40B4-BE49-F238E27FC236}">
-                <a16:creationId xmlns:a16="http://schemas.microsoft.com/office/drawing/2014/main" id="{04681B16-0CF6-4C42-991B-F27FB0030F7E}"/>
+                <a16:creationId xmlns:a16="http://schemas.microsoft.com/office/drawing/2014/main" xmlns="" id="{04681B16-0CF6-4C42-991B-F27FB0030F7E}"/>
               </a:ext>
             </a:extLst>
           </p:cNvPr>
@@ -5104,10 +5213,10 @@
           <p:cNvPr id="12" name="Rectangle 11">
             <a:extLst>
               <a:ext uri="{FF2B5EF4-FFF2-40B4-BE49-F238E27FC236}">
-                <a16:creationId xmlns:a16="http://schemas.microsoft.com/office/drawing/2014/main" id="{0C634C77-7EAE-486F-BBA9-98DFA03209D4}"/>
+                <a16:creationId xmlns:a16="http://schemas.microsoft.com/office/drawing/2014/main" xmlns="" id="{0C634C77-7EAE-486F-BBA9-98DFA03209D4}"/>
               </a:ext>
               <a:ext uri="{C183D7F6-B498-43B3-948B-1728B52AA6E4}">
-                <adec:decorative xmlns:adec="http://schemas.microsoft.com/office/drawing/2017/decorative" val="1"/>
+                <adec:decorative xmlns:adec="http://schemas.microsoft.com/office/drawing/2017/decorative" xmlns="" val="1"/>
               </a:ext>
             </a:extLst>
           </p:cNvPr>
@@ -5174,7 +5283,7 @@
           <p:cNvPr id="2" name="Picture 1">
             <a:extLst>
               <a:ext uri="{FF2B5EF4-FFF2-40B4-BE49-F238E27FC236}">
-                <a16:creationId xmlns:a16="http://schemas.microsoft.com/office/drawing/2014/main" id="{22F0856A-B65A-4F32-9B1F-1197FAC7B351}"/>
+                <a16:creationId xmlns:a16="http://schemas.microsoft.com/office/drawing/2014/main" xmlns="" id="{22F0856A-B65A-4F32-9B1F-1197FAC7B351}"/>
               </a:ext>
             </a:extLst>
           </p:cNvPr>
@@ -5242,10 +5351,10 @@
           <p:cNvPr id="7" name="Rectangle 6">
             <a:extLst>
               <a:ext uri="{FF2B5EF4-FFF2-40B4-BE49-F238E27FC236}">
-                <a16:creationId xmlns:a16="http://schemas.microsoft.com/office/drawing/2014/main" id="{9485DA84-CB73-4E5E-9864-2460CE28055D}"/>
+                <a16:creationId xmlns:a16="http://schemas.microsoft.com/office/drawing/2014/main" xmlns="" id="{9485DA84-CB73-4E5E-9864-2460CE28055D}"/>
               </a:ext>
               <a:ext uri="{C183D7F6-B498-43B3-948B-1728B52AA6E4}">
-                <adec:decorative xmlns:adec="http://schemas.microsoft.com/office/drawing/2017/decorative" val="1"/>
+                <adec:decorative xmlns:adec="http://schemas.microsoft.com/office/drawing/2017/decorative" xmlns="" val="1"/>
               </a:ext>
             </a:extLst>
           </p:cNvPr>
@@ -5305,10 +5414,10 @@
           <p:cNvPr id="9" name="Rectangle 8">
             <a:extLst>
               <a:ext uri="{FF2B5EF4-FFF2-40B4-BE49-F238E27FC236}">
-                <a16:creationId xmlns:a16="http://schemas.microsoft.com/office/drawing/2014/main" id="{7D49185E-361A-421B-8F2D-11C7FFC686F0}"/>
+                <a16:creationId xmlns:a16="http://schemas.microsoft.com/office/drawing/2014/main" xmlns="" id="{7D49185E-361A-421B-8F2D-11C7FFC686F0}"/>
               </a:ext>
               <a:ext uri="{C183D7F6-B498-43B3-948B-1728B52AA6E4}">
-                <adec:decorative xmlns:adec="http://schemas.microsoft.com/office/drawing/2017/decorative" val="1"/>
+                <adec:decorative xmlns:adec="http://schemas.microsoft.com/office/drawing/2017/decorative" xmlns="" val="1"/>
               </a:ext>
             </a:extLst>
           </p:cNvPr>
@@ -5368,10 +5477,10 @@
           <p:cNvPr id="11" name="Rectangle 10">
             <a:extLst>
               <a:ext uri="{FF2B5EF4-FFF2-40B4-BE49-F238E27FC236}">
-                <a16:creationId xmlns:a16="http://schemas.microsoft.com/office/drawing/2014/main" id="{14B85BAA-C37F-44B4-B427-B4F10EBB4183}"/>
+                <a16:creationId xmlns:a16="http://schemas.microsoft.com/office/drawing/2014/main" xmlns="" id="{14B85BAA-C37F-44B4-B427-B4F10EBB4183}"/>
               </a:ext>
               <a:ext uri="{C183D7F6-B498-43B3-948B-1728B52AA6E4}">
-                <adec:decorative xmlns:adec="http://schemas.microsoft.com/office/drawing/2017/decorative" val="1"/>
+                <adec:decorative xmlns:adec="http://schemas.microsoft.com/office/drawing/2017/decorative" xmlns="" val="1"/>
               </a:ext>
             </a:extLst>
           </p:cNvPr>
@@ -5431,10 +5540,10 @@
           <p:cNvPr id="13" name="Rectangle 12">
             <a:extLst>
               <a:ext uri="{FF2B5EF4-FFF2-40B4-BE49-F238E27FC236}">
-                <a16:creationId xmlns:a16="http://schemas.microsoft.com/office/drawing/2014/main" id="{EDC4EE06-D7B4-4FAC-A561-38A1C380232A}"/>
+                <a16:creationId xmlns:a16="http://schemas.microsoft.com/office/drawing/2014/main" xmlns="" id="{EDC4EE06-D7B4-4FAC-A561-38A1C380232A}"/>
               </a:ext>
               <a:ext uri="{C183D7F6-B498-43B3-948B-1728B52AA6E4}">
-                <adec:decorative xmlns:adec="http://schemas.microsoft.com/office/drawing/2017/decorative" val="1"/>
+                <adec:decorative xmlns:adec="http://schemas.microsoft.com/office/drawing/2017/decorative" xmlns="" val="1"/>
               </a:ext>
             </a:extLst>
           </p:cNvPr>
@@ -5494,10 +5603,10 @@
           <p:cNvPr id="15" name="Rectangle 14">
             <a:extLst>
               <a:ext uri="{FF2B5EF4-FFF2-40B4-BE49-F238E27FC236}">
-                <a16:creationId xmlns:a16="http://schemas.microsoft.com/office/drawing/2014/main" id="{9018D83B-903C-4782-B1BB-A45164A71F60}"/>
+                <a16:creationId xmlns:a16="http://schemas.microsoft.com/office/drawing/2014/main" xmlns="" id="{9018D83B-903C-4782-B1BB-A45164A71F60}"/>
               </a:ext>
               <a:ext uri="{C183D7F6-B498-43B3-948B-1728B52AA6E4}">
-                <adec:decorative xmlns:adec="http://schemas.microsoft.com/office/drawing/2017/decorative" val="1"/>
+                <adec:decorative xmlns:adec="http://schemas.microsoft.com/office/drawing/2017/decorative" xmlns="" val="1"/>
               </a:ext>
             </a:extLst>
           </p:cNvPr>
@@ -5557,10 +5666,10 @@
           <p:cNvPr id="17" name="Rectangle 16">
             <a:extLst>
               <a:ext uri="{FF2B5EF4-FFF2-40B4-BE49-F238E27FC236}">
-                <a16:creationId xmlns:a16="http://schemas.microsoft.com/office/drawing/2014/main" id="{8785589A-A5AC-409A-B2A2-24D871B4CEF0}"/>
+                <a16:creationId xmlns:a16="http://schemas.microsoft.com/office/drawing/2014/main" xmlns="" id="{8785589A-A5AC-409A-B2A2-24D871B4CEF0}"/>
               </a:ext>
               <a:ext uri="{C183D7F6-B498-43B3-948B-1728B52AA6E4}">
-                <adec:decorative xmlns:adec="http://schemas.microsoft.com/office/drawing/2017/decorative" val="1"/>
+                <adec:decorative xmlns:adec="http://schemas.microsoft.com/office/drawing/2017/decorative" xmlns="" val="1"/>
               </a:ext>
             </a:extLst>
           </p:cNvPr>
@@ -5620,7 +5729,7 @@
           <p:cNvPr id="2" name="Picture 1">
             <a:extLst>
               <a:ext uri="{FF2B5EF4-FFF2-40B4-BE49-F238E27FC236}">
-                <a16:creationId xmlns:a16="http://schemas.microsoft.com/office/drawing/2014/main" id="{B691B45B-F1B1-4003-A31B-DC6488435435}"/>
+                <a16:creationId xmlns:a16="http://schemas.microsoft.com/office/drawing/2014/main" xmlns="" id="{B691B45B-F1B1-4003-A31B-DC6488435435}"/>
               </a:ext>
             </a:extLst>
           </p:cNvPr>
@@ -5680,7 +5789,7 @@
           <p:cNvPr id="2" name="Title 1">
             <a:extLst>
               <a:ext uri="{FF2B5EF4-FFF2-40B4-BE49-F238E27FC236}">
-                <a16:creationId xmlns:a16="http://schemas.microsoft.com/office/drawing/2014/main" id="{DC3BD38B-3CB1-42C0-AA27-9929D5729428}"/>
+                <a16:creationId xmlns:a16="http://schemas.microsoft.com/office/drawing/2014/main" xmlns="" id="{DC3BD38B-3CB1-42C0-AA27-9929D5729428}"/>
               </a:ext>
             </a:extLst>
           </p:cNvPr>
@@ -5708,7 +5817,7 @@
           <p:cNvPr id="3" name="Content Placeholder 2">
             <a:extLst>
               <a:ext uri="{FF2B5EF4-FFF2-40B4-BE49-F238E27FC236}">
-                <a16:creationId xmlns:a16="http://schemas.microsoft.com/office/drawing/2014/main" id="{2691CCDC-538D-41FF-8048-9D477186B6CD}"/>
+                <a16:creationId xmlns:a16="http://schemas.microsoft.com/office/drawing/2014/main" xmlns="" id="{2691CCDC-538D-41FF-8048-9D477186B6CD}"/>
               </a:ext>
             </a:extLst>
           </p:cNvPr>
@@ -5786,7 +5895,7 @@
           <p:cNvPr id="2" name="Title 1">
             <a:extLst>
               <a:ext uri="{FF2B5EF4-FFF2-40B4-BE49-F238E27FC236}">
-                <a16:creationId xmlns:a16="http://schemas.microsoft.com/office/drawing/2014/main" id="{9476BA5A-3A3F-4CB2-9065-F25CABC9744C}"/>
+                <a16:creationId xmlns:a16="http://schemas.microsoft.com/office/drawing/2014/main" xmlns="" id="{9476BA5A-3A3F-4CB2-9065-F25CABC9744C}"/>
               </a:ext>
             </a:extLst>
           </p:cNvPr>
@@ -5814,7 +5923,7 @@
           <p:cNvPr id="4" name="Content Placeholder 3">
             <a:extLst>
               <a:ext uri="{FF2B5EF4-FFF2-40B4-BE49-F238E27FC236}">
-                <a16:creationId xmlns:a16="http://schemas.microsoft.com/office/drawing/2014/main" id="{8ABF8844-DB7F-4656-970E-B5DC9E1800D3}"/>
+                <a16:creationId xmlns:a16="http://schemas.microsoft.com/office/drawing/2014/main" xmlns="" id="{8ABF8844-DB7F-4656-970E-B5DC9E1800D3}"/>
               </a:ext>
             </a:extLst>
           </p:cNvPr>
@@ -5876,7 +5985,7 @@
           <p:cNvPr id="2" name="Title 1">
             <a:extLst>
               <a:ext uri="{FF2B5EF4-FFF2-40B4-BE49-F238E27FC236}">
-                <a16:creationId xmlns:a16="http://schemas.microsoft.com/office/drawing/2014/main" id="{1F274EA1-7574-41C6-A6B5-0F7903946931}"/>
+                <a16:creationId xmlns:a16="http://schemas.microsoft.com/office/drawing/2014/main" xmlns="" id="{1F274EA1-7574-41C6-A6B5-0F7903946931}"/>
               </a:ext>
             </a:extLst>
           </p:cNvPr>
@@ -5904,7 +6013,7 @@
           <p:cNvPr id="4" name="Content Placeholder 3">
             <a:extLst>
               <a:ext uri="{FF2B5EF4-FFF2-40B4-BE49-F238E27FC236}">
-                <a16:creationId xmlns:a16="http://schemas.microsoft.com/office/drawing/2014/main" id="{0B00202D-57AF-4B72-86FC-F53FE3A1CCC0}"/>
+                <a16:creationId xmlns:a16="http://schemas.microsoft.com/office/drawing/2014/main" xmlns="" id="{0B00202D-57AF-4B72-86FC-F53FE3A1CCC0}"/>
               </a:ext>
             </a:extLst>
           </p:cNvPr>
@@ -5966,7 +6075,7 @@
           <p:cNvPr id="2" name="Title 1">
             <a:extLst>
               <a:ext uri="{FF2B5EF4-FFF2-40B4-BE49-F238E27FC236}">
-                <a16:creationId xmlns:a16="http://schemas.microsoft.com/office/drawing/2014/main" id="{C8DE2D2A-4529-4C53-8FA8-C3C651153EC8}"/>
+                <a16:creationId xmlns:a16="http://schemas.microsoft.com/office/drawing/2014/main" xmlns="" id="{C8DE2D2A-4529-4C53-8FA8-C3C651153EC8}"/>
               </a:ext>
             </a:extLst>
           </p:cNvPr>
@@ -5994,7 +6103,7 @@
           <p:cNvPr id="4" name="Content Placeholder 3">
             <a:extLst>
               <a:ext uri="{FF2B5EF4-FFF2-40B4-BE49-F238E27FC236}">
-                <a16:creationId xmlns:a16="http://schemas.microsoft.com/office/drawing/2014/main" id="{19EE486C-6283-4519-A39C-DFF5A74D7874}"/>
+                <a16:creationId xmlns:a16="http://schemas.microsoft.com/office/drawing/2014/main" xmlns="" id="{19EE486C-6283-4519-A39C-DFF5A74D7874}"/>
               </a:ext>
             </a:extLst>
           </p:cNvPr>
@@ -6026,7 +6135,7 @@
           <p:cNvPr id="5" name="Picture 4">
             <a:extLst>
               <a:ext uri="{FF2B5EF4-FFF2-40B4-BE49-F238E27FC236}">
-                <a16:creationId xmlns:a16="http://schemas.microsoft.com/office/drawing/2014/main" id="{04CB2136-62D6-4447-A40E-51B916E3DE15}"/>
+                <a16:creationId xmlns:a16="http://schemas.microsoft.com/office/drawing/2014/main" xmlns="" id="{04CB2136-62D6-4447-A40E-51B916E3DE15}"/>
               </a:ext>
             </a:extLst>
           </p:cNvPr>
@@ -6056,7 +6165,7 @@
           <p:cNvPr id="6" name="Picture 5">
             <a:extLst>
               <a:ext uri="{FF2B5EF4-FFF2-40B4-BE49-F238E27FC236}">
-                <a16:creationId xmlns:a16="http://schemas.microsoft.com/office/drawing/2014/main" id="{D3117831-6A6F-4889-836F-C50256BA948B}"/>
+                <a16:creationId xmlns:a16="http://schemas.microsoft.com/office/drawing/2014/main" xmlns="" id="{D3117831-6A6F-4889-836F-C50256BA948B}"/>
               </a:ext>
             </a:extLst>
           </p:cNvPr>
@@ -6116,7 +6225,7 @@
           <p:cNvPr id="2" name="Title 1">
             <a:extLst>
               <a:ext uri="{FF2B5EF4-FFF2-40B4-BE49-F238E27FC236}">
-                <a16:creationId xmlns:a16="http://schemas.microsoft.com/office/drawing/2014/main" id="{BA4A6CB5-53C8-4F07-8A20-F00DEA1CB259}"/>
+                <a16:creationId xmlns:a16="http://schemas.microsoft.com/office/drawing/2014/main" xmlns="" id="{BA4A6CB5-53C8-4F07-8A20-F00DEA1CB259}"/>
               </a:ext>
             </a:extLst>
           </p:cNvPr>
@@ -6144,7 +6253,7 @@
           <p:cNvPr id="3" name="Content Placeholder 2">
             <a:extLst>
               <a:ext uri="{FF2B5EF4-FFF2-40B4-BE49-F238E27FC236}">
-                <a16:creationId xmlns:a16="http://schemas.microsoft.com/office/drawing/2014/main" id="{29826E7D-FCFD-407C-A9C8-9C8ADAEE4D41}"/>
+                <a16:creationId xmlns:a16="http://schemas.microsoft.com/office/drawing/2014/main" xmlns="" id="{29826E7D-FCFD-407C-A9C8-9C8ADAEE4D41}"/>
               </a:ext>
             </a:extLst>
           </p:cNvPr>
@@ -6174,6 +6283,10 @@
             <a:pPr marL="0" indent="0">
               <a:buNone/>
             </a:pPr>
+            <a:r>
+              <a:rPr lang="en-US" dirty="0"/>
+              <a:t/>
+            </a:r>
             <a:br>
               <a:rPr lang="en-US" dirty="0"/>
             </a:br>

--- a/PowerPoint Slides/CSC 439 Sprint Week 4.pptx
+++ b/PowerPoint Slides/CSC 439 Sprint Week 4.pptx
@@ -128,6 +128,35 @@
 </p:presentation>
 </file>
 
+<file path=ppt/changesInfos/changesInfo1.xml><?xml version="1.0" encoding="utf-8"?>
+<pc:chgInfo xmlns:a="http://schemas.openxmlformats.org/drawingml/2006/main" xmlns:r="http://schemas.openxmlformats.org/officeDocument/2006/relationships" xmlns:ac="http://schemas.microsoft.com/office/drawing/2013/main/command" xmlns:pc="http://schemas.microsoft.com/office/powerpoint/2013/main/command">
+  <pc:docChgLst>
+    <pc:chgData name="JJ Craig" userId="403dfa2b560c16b3" providerId="LiveId" clId="{83892315-738D-405F-AB63-3370F10D29A8}"/>
+    <pc:docChg chg="modSld">
+      <pc:chgData name="JJ Craig" userId="403dfa2b560c16b3" providerId="LiveId" clId="{83892315-738D-405F-AB63-3370F10D29A8}" dt="2019-10-07T23:26:46.280" v="1" actId="20577"/>
+      <pc:docMkLst>
+        <pc:docMk/>
+      </pc:docMkLst>
+      <pc:sldChg chg="modSp">
+        <pc:chgData name="JJ Craig" userId="403dfa2b560c16b3" providerId="LiveId" clId="{83892315-738D-405F-AB63-3370F10D29A8}" dt="2019-10-07T23:26:46.280" v="1" actId="20577"/>
+        <pc:sldMkLst>
+          <pc:docMk/>
+          <pc:sldMk cId="1796891778" sldId="256"/>
+        </pc:sldMkLst>
+        <pc:spChg chg="mod">
+          <ac:chgData name="JJ Craig" userId="403dfa2b560c16b3" providerId="LiveId" clId="{83892315-738D-405F-AB63-3370F10D29A8}" dt="2019-10-07T23:26:46.280" v="1" actId="20577"/>
+          <ac:spMkLst>
+            <pc:docMk/>
+            <pc:sldMk cId="1796891778" sldId="256"/>
+            <ac:spMk id="2" creationId="{F8AA9C60-0696-4962-859B-5044DD80E333}"/>
+          </ac:spMkLst>
+        </pc:spChg>
+      </pc:sldChg>
+    </pc:docChg>
+  </pc:docChgLst>
+</pc:chgInfo>
+</file>
+
 <file path=ppt/slideLayouts/slideLayout1.xml><?xml version="1.0" encoding="utf-8"?>
 <p:sldLayout xmlns:a="http://schemas.openxmlformats.org/drawingml/2006/main" xmlns:r="http://schemas.openxmlformats.org/officeDocument/2006/relationships" xmlns:p="http://schemas.openxmlformats.org/presentationml/2006/main" showMasterSp="0" type="title" preserve="1">
   <p:cSld name="Title Slide">
@@ -297,7 +326,7 @@
           <a:p>
             <a:fld id="{D32A0B95-015E-4910-9C09-101F03BAE1BA}" type="datetimeFigureOut">
               <a:rPr lang="en-US" smtClean="0"/>
-              <a:t>10/7/19</a:t>
+              <a:t>10/7/2019</a:t>
             </a:fld>
             <a:endParaRPr lang="en-US"/>
           </a:p>
@@ -627,7 +656,7 @@
           <a:p>
             <a:fld id="{D32A0B95-015E-4910-9C09-101F03BAE1BA}" type="datetimeFigureOut">
               <a:rPr lang="en-US" smtClean="0"/>
-              <a:t>10/7/19</a:t>
+              <a:t>10/7/2019</a:t>
             </a:fld>
             <a:endParaRPr lang="en-US"/>
           </a:p>
@@ -807,7 +836,7 @@
           <a:p>
             <a:fld id="{D32A0B95-015E-4910-9C09-101F03BAE1BA}" type="datetimeFigureOut">
               <a:rPr lang="en-US" smtClean="0"/>
-              <a:t>10/7/19</a:t>
+              <a:t>10/7/2019</a:t>
             </a:fld>
             <a:endParaRPr lang="en-US"/>
           </a:p>
@@ -977,7 +1006,7 @@
           <a:p>
             <a:fld id="{D32A0B95-015E-4910-9C09-101F03BAE1BA}" type="datetimeFigureOut">
               <a:rPr lang="en-US" smtClean="0"/>
-              <a:t>10/7/19</a:t>
+              <a:t>10/7/2019</a:t>
             </a:fld>
             <a:endParaRPr lang="en-US"/>
           </a:p>
@@ -1254,7 +1283,7 @@
           <a:p>
             <a:fld id="{D32A0B95-015E-4910-9C09-101F03BAE1BA}" type="datetimeFigureOut">
               <a:rPr lang="en-US" smtClean="0"/>
-              <a:t>10/7/19</a:t>
+              <a:t>10/7/2019</a:t>
             </a:fld>
             <a:endParaRPr lang="en-US"/>
           </a:p>
@@ -1648,7 +1677,7 @@
           <a:p>
             <a:fld id="{D32A0B95-015E-4910-9C09-101F03BAE1BA}" type="datetimeFigureOut">
               <a:rPr lang="en-US" smtClean="0"/>
-              <a:t>10/7/19</a:t>
+              <a:t>10/7/2019</a:t>
             </a:fld>
             <a:endParaRPr lang="en-US"/>
           </a:p>
@@ -2125,7 +2154,7 @@
           <a:p>
             <a:fld id="{D32A0B95-015E-4910-9C09-101F03BAE1BA}" type="datetimeFigureOut">
               <a:rPr lang="en-US" smtClean="0"/>
-              <a:t>10/7/19</a:t>
+              <a:t>10/7/2019</a:t>
             </a:fld>
             <a:endParaRPr lang="en-US"/>
           </a:p>
@@ -2243,7 +2272,7 @@
           <a:p>
             <a:fld id="{D32A0B95-015E-4910-9C09-101F03BAE1BA}" type="datetimeFigureOut">
               <a:rPr lang="en-US" smtClean="0"/>
-              <a:t>10/7/19</a:t>
+              <a:t>10/7/2019</a:t>
             </a:fld>
             <a:endParaRPr lang="en-US"/>
           </a:p>
@@ -2338,7 +2367,7 @@
           <a:p>
             <a:fld id="{D32A0B95-015E-4910-9C09-101F03BAE1BA}" type="datetimeFigureOut">
               <a:rPr lang="en-US" smtClean="0"/>
-              <a:t>10/7/19</a:t>
+              <a:t>10/7/2019</a:t>
             </a:fld>
             <a:endParaRPr lang="en-US"/>
           </a:p>
@@ -2684,7 +2713,7 @@
           <a:p>
             <a:fld id="{D32A0B95-015E-4910-9C09-101F03BAE1BA}" type="datetimeFigureOut">
               <a:rPr lang="en-US" smtClean="0"/>
-              <a:t>10/7/19</a:t>
+              <a:t>10/7/2019</a:t>
             </a:fld>
             <a:endParaRPr lang="en-US"/>
           </a:p>
@@ -3072,7 +3101,7 @@
           <a:p>
             <a:fld id="{D32A0B95-015E-4910-9C09-101F03BAE1BA}" type="datetimeFigureOut">
               <a:rPr lang="en-US" smtClean="0"/>
-              <a:t>10/7/19</a:t>
+              <a:t>10/7/2019</a:t>
             </a:fld>
             <a:endParaRPr lang="en-US"/>
           </a:p>
@@ -3350,7 +3379,7 @@
           <a:p>
             <a:fld id="{D32A0B95-015E-4910-9C09-101F03BAE1BA}" type="datetimeFigureOut">
               <a:rPr lang="en-US" smtClean="0"/>
-              <a:t>10/7/19</a:t>
+              <a:t>10/7/2019</a:t>
             </a:fld>
             <a:endParaRPr lang="en-US"/>
           </a:p>
@@ -3796,7 +3825,7 @@
       </a:lvl9pPr>
     </p:otherStyle>
   </p:txStyles>
-  <p:extLst mod="1">
+  <p:extLst>
     <p:ext uri="{27BBF7A9-308A-43DC-89C8-2F10F3537804}">
       <p15:sldGuideLst xmlns:p15="http://schemas.microsoft.com/office/powerpoint/2012/main">
         <p15:guide id="3" orient="horz" pos="1368">
@@ -3867,7 +3896,7 @@
           <p:cNvPr id="2" name="Title 1">
             <a:extLst>
               <a:ext uri="{FF2B5EF4-FFF2-40B4-BE49-F238E27FC236}">
-                <a16:creationId xmlns:a16="http://schemas.microsoft.com/office/drawing/2014/main" xmlns="" id="{F8AA9C60-0696-4962-859B-5044DD80E333}"/>
+                <a16:creationId xmlns:a16="http://schemas.microsoft.com/office/drawing/2014/main" id="{F8AA9C60-0696-4962-859B-5044DD80E333}"/>
               </a:ext>
             </a:extLst>
           </p:cNvPr>
@@ -3885,8 +3914,13 @@
           <a:p>
             <a:r>
               <a:rPr lang="en-US" dirty="0"/>
-              <a:t>CSC 439 Sprint Week 2</a:t>
-            </a:r>
+              <a:t>CSC 439 Sprint </a:t>
+            </a:r>
+            <a:r>
+              <a:rPr lang="en-US"/>
+              <a:t>Week 4</a:t>
+            </a:r>
+            <a:endParaRPr lang="en-US" dirty="0"/>
           </a:p>
         </p:txBody>
       </p:sp>
@@ -3895,7 +3929,7 @@
           <p:cNvPr id="3" name="Subtitle 2">
             <a:extLst>
               <a:ext uri="{FF2B5EF4-FFF2-40B4-BE49-F238E27FC236}">
-                <a16:creationId xmlns:a16="http://schemas.microsoft.com/office/drawing/2014/main" xmlns="" id="{3636A549-63BB-44DB-9F3A-39EF320ACCB2}"/>
+                <a16:creationId xmlns:a16="http://schemas.microsoft.com/office/drawing/2014/main" id="{3636A549-63BB-44DB-9F3A-39EF320ACCB2}"/>
               </a:ext>
             </a:extLst>
           </p:cNvPr>
@@ -3961,7 +3995,7 @@
           <p:cNvPr id="4" name="Content Placeholder 3">
             <a:extLst>
               <a:ext uri="{FF2B5EF4-FFF2-40B4-BE49-F238E27FC236}">
-                <a16:creationId xmlns:a16="http://schemas.microsoft.com/office/drawing/2014/main" xmlns="" id="{1BCE562E-945E-492A-8089-AF34FAEAD0E5}"/>
+                <a16:creationId xmlns:a16="http://schemas.microsoft.com/office/drawing/2014/main" id="{1BCE562E-945E-492A-8089-AF34FAEAD0E5}"/>
               </a:ext>
             </a:extLst>
           </p:cNvPr>
@@ -3993,7 +4027,7 @@
           <p:cNvPr id="5" name="Picture 4">
             <a:extLst>
               <a:ext uri="{FF2B5EF4-FFF2-40B4-BE49-F238E27FC236}">
-                <a16:creationId xmlns:a16="http://schemas.microsoft.com/office/drawing/2014/main" xmlns="" id="{8A6E5AA4-6C97-4676-BC4B-526C2B3EEFB3}"/>
+                <a16:creationId xmlns:a16="http://schemas.microsoft.com/office/drawing/2014/main" id="{8A6E5AA4-6C97-4676-BC4B-526C2B3EEFB3}"/>
               </a:ext>
             </a:extLst>
           </p:cNvPr>
@@ -4161,7 +4195,7 @@
           <p:cNvPr id="2" name="Title 1">
             <a:extLst>
               <a:ext uri="{FF2B5EF4-FFF2-40B4-BE49-F238E27FC236}">
-                <a16:creationId xmlns:a16="http://schemas.microsoft.com/office/drawing/2014/main" xmlns="" id="{1FAAB992-3FF2-449C-BF6B-F595EEC258E9}"/>
+                <a16:creationId xmlns:a16="http://schemas.microsoft.com/office/drawing/2014/main" id="{1FAAB992-3FF2-449C-BF6B-F595EEC258E9}"/>
               </a:ext>
             </a:extLst>
           </p:cNvPr>
@@ -4189,7 +4223,7 @@
           <p:cNvPr id="3" name="Content Placeholder 2">
             <a:extLst>
               <a:ext uri="{FF2B5EF4-FFF2-40B4-BE49-F238E27FC236}">
-                <a16:creationId xmlns:a16="http://schemas.microsoft.com/office/drawing/2014/main" xmlns="" id="{4F5E2575-14B0-4EA3-A510-1E41A86640AC}"/>
+                <a16:creationId xmlns:a16="http://schemas.microsoft.com/office/drawing/2014/main" id="{4F5E2575-14B0-4EA3-A510-1E41A86640AC}"/>
               </a:ext>
             </a:extLst>
           </p:cNvPr>
@@ -4247,7 +4281,7 @@
           <p:cNvPr id="2" name="Title 1">
             <a:extLst>
               <a:ext uri="{FF2B5EF4-FFF2-40B4-BE49-F238E27FC236}">
-                <a16:creationId xmlns:a16="http://schemas.microsoft.com/office/drawing/2014/main" xmlns="" id="{3B999B43-513A-45AA-A8A4-ECF94B181414}"/>
+                <a16:creationId xmlns:a16="http://schemas.microsoft.com/office/drawing/2014/main" id="{3B999B43-513A-45AA-A8A4-ECF94B181414}"/>
               </a:ext>
             </a:extLst>
           </p:cNvPr>
@@ -4283,7 +4317,7 @@
           <p:cNvPr id="4" name="Content Placeholder 3">
             <a:extLst>
               <a:ext uri="{FF2B5EF4-FFF2-40B4-BE49-F238E27FC236}">
-                <a16:creationId xmlns:a16="http://schemas.microsoft.com/office/drawing/2014/main" xmlns="" id="{4BED1DF4-79D6-4815-9DAB-C846DCAB0FD9}"/>
+                <a16:creationId xmlns:a16="http://schemas.microsoft.com/office/drawing/2014/main" id="{4BED1DF4-79D6-4815-9DAB-C846DCAB0FD9}"/>
               </a:ext>
             </a:extLst>
           </p:cNvPr>
@@ -4345,7 +4379,7 @@
           <p:cNvPr id="4" name="Picture 3">
             <a:extLst>
               <a:ext uri="{FF2B5EF4-FFF2-40B4-BE49-F238E27FC236}">
-                <a16:creationId xmlns:a16="http://schemas.microsoft.com/office/drawing/2014/main" xmlns="" id="{BA459C00-2514-49AB-997D-CF8ABBEFF293}"/>
+                <a16:creationId xmlns:a16="http://schemas.microsoft.com/office/drawing/2014/main" id="{BA459C00-2514-49AB-997D-CF8ABBEFF293}"/>
               </a:ext>
             </a:extLst>
           </p:cNvPr>
@@ -4405,7 +4439,7 @@
           <p:cNvPr id="2" name="Title 1">
             <a:extLst>
               <a:ext uri="{FF2B5EF4-FFF2-40B4-BE49-F238E27FC236}">
-                <a16:creationId xmlns:a16="http://schemas.microsoft.com/office/drawing/2014/main" xmlns="" id="{FE7AE5D2-2834-46AD-B7BF-75A863EFEC6B}"/>
+                <a16:creationId xmlns:a16="http://schemas.microsoft.com/office/drawing/2014/main" id="{FE7AE5D2-2834-46AD-B7BF-75A863EFEC6B}"/>
               </a:ext>
             </a:extLst>
           </p:cNvPr>
@@ -4433,7 +4467,7 @@
           <p:cNvPr id="3" name="Content Placeholder 2">
             <a:extLst>
               <a:ext uri="{FF2B5EF4-FFF2-40B4-BE49-F238E27FC236}">
-                <a16:creationId xmlns:a16="http://schemas.microsoft.com/office/drawing/2014/main" xmlns="" id="{E59F8A11-8E43-4671-8096-3F201897DA77}"/>
+                <a16:creationId xmlns:a16="http://schemas.microsoft.com/office/drawing/2014/main" id="{E59F8A11-8E43-4671-8096-3F201897DA77}"/>
               </a:ext>
             </a:extLst>
           </p:cNvPr>
@@ -4472,7 +4506,7 @@
           <p:cNvPr id="5" name="Picture 4">
             <a:extLst>
               <a:ext uri="{FF2B5EF4-FFF2-40B4-BE49-F238E27FC236}">
-                <a16:creationId xmlns:a16="http://schemas.microsoft.com/office/drawing/2014/main" xmlns="" id="{C2067A05-0CF5-CB41-B38B-74676EA016B0}"/>
+                <a16:creationId xmlns:a16="http://schemas.microsoft.com/office/drawing/2014/main" id="{C2067A05-0CF5-CB41-B38B-74676EA016B0}"/>
               </a:ext>
             </a:extLst>
           </p:cNvPr>
@@ -4508,7 +4542,7 @@
           <p:cNvPr id="6" name="TextBox 5">
             <a:extLst>
               <a:ext uri="{FF2B5EF4-FFF2-40B4-BE49-F238E27FC236}">
-                <a16:creationId xmlns:a16="http://schemas.microsoft.com/office/drawing/2014/main" xmlns="" id="{2920349E-87B5-E745-9FD3-97E462D69ADC}"/>
+                <a16:creationId xmlns:a16="http://schemas.microsoft.com/office/drawing/2014/main" id="{2920349E-87B5-E745-9FD3-97E462D69ADC}"/>
               </a:ext>
             </a:extLst>
           </p:cNvPr>
@@ -4573,7 +4607,7 @@
           <p:cNvPr id="2" name="Title 1">
             <a:extLst>
               <a:ext uri="{FF2B5EF4-FFF2-40B4-BE49-F238E27FC236}">
-                <a16:creationId xmlns:a16="http://schemas.microsoft.com/office/drawing/2014/main" xmlns="" id="{FE7AE5D2-2834-46AD-B7BF-75A863EFEC6B}"/>
+                <a16:creationId xmlns:a16="http://schemas.microsoft.com/office/drawing/2014/main" id="{FE7AE5D2-2834-46AD-B7BF-75A863EFEC6B}"/>
               </a:ext>
             </a:extLst>
           </p:cNvPr>
@@ -4601,7 +4635,7 @@
           <p:cNvPr id="3" name="Content Placeholder 2">
             <a:extLst>
               <a:ext uri="{FF2B5EF4-FFF2-40B4-BE49-F238E27FC236}">
-                <a16:creationId xmlns:a16="http://schemas.microsoft.com/office/drawing/2014/main" xmlns="" id="{E59F8A11-8E43-4671-8096-3F201897DA77}"/>
+                <a16:creationId xmlns:a16="http://schemas.microsoft.com/office/drawing/2014/main" id="{E59F8A11-8E43-4671-8096-3F201897DA77}"/>
               </a:ext>
             </a:extLst>
           </p:cNvPr>
@@ -4640,7 +4674,7 @@
           <p:cNvPr id="6" name="TextBox 5">
             <a:extLst>
               <a:ext uri="{FF2B5EF4-FFF2-40B4-BE49-F238E27FC236}">
-                <a16:creationId xmlns:a16="http://schemas.microsoft.com/office/drawing/2014/main" xmlns="" id="{2920349E-87B5-E745-9FD3-97E462D69ADC}"/>
+                <a16:creationId xmlns:a16="http://schemas.microsoft.com/office/drawing/2014/main" id="{2920349E-87B5-E745-9FD3-97E462D69ADC}"/>
               </a:ext>
             </a:extLst>
           </p:cNvPr>
@@ -4675,7 +4709,7 @@
           <p:cNvPr id="8" name="Picture 7">
             <a:extLst>
               <a:ext uri="{FF2B5EF4-FFF2-40B4-BE49-F238E27FC236}">
-                <a16:creationId xmlns:a16="http://schemas.microsoft.com/office/drawing/2014/main" xmlns="" id="{378A3E0B-875A-3844-99C8-F5B1C3F8EE30}"/>
+                <a16:creationId xmlns:a16="http://schemas.microsoft.com/office/drawing/2014/main" id="{378A3E0B-875A-3844-99C8-F5B1C3F8EE30}"/>
               </a:ext>
             </a:extLst>
           </p:cNvPr>
@@ -4741,7 +4775,7 @@
           <p:cNvPr id="2" name="Title 1">
             <a:extLst>
               <a:ext uri="{FF2B5EF4-FFF2-40B4-BE49-F238E27FC236}">
-                <a16:creationId xmlns:a16="http://schemas.microsoft.com/office/drawing/2014/main" xmlns="" id="{FE7AE5D2-2834-46AD-B7BF-75A863EFEC6B}"/>
+                <a16:creationId xmlns:a16="http://schemas.microsoft.com/office/drawing/2014/main" id="{FE7AE5D2-2834-46AD-B7BF-75A863EFEC6B}"/>
               </a:ext>
             </a:extLst>
           </p:cNvPr>
@@ -4769,7 +4803,7 @@
           <p:cNvPr id="3" name="Content Placeholder 2">
             <a:extLst>
               <a:ext uri="{FF2B5EF4-FFF2-40B4-BE49-F238E27FC236}">
-                <a16:creationId xmlns:a16="http://schemas.microsoft.com/office/drawing/2014/main" xmlns="" id="{E59F8A11-8E43-4671-8096-3F201897DA77}"/>
+                <a16:creationId xmlns:a16="http://schemas.microsoft.com/office/drawing/2014/main" id="{E59F8A11-8E43-4671-8096-3F201897DA77}"/>
               </a:ext>
             </a:extLst>
           </p:cNvPr>
@@ -4808,7 +4842,7 @@
           <p:cNvPr id="6" name="TextBox 5">
             <a:extLst>
               <a:ext uri="{FF2B5EF4-FFF2-40B4-BE49-F238E27FC236}">
-                <a16:creationId xmlns:a16="http://schemas.microsoft.com/office/drawing/2014/main" xmlns="" id="{2920349E-87B5-E745-9FD3-97E462D69ADC}"/>
+                <a16:creationId xmlns:a16="http://schemas.microsoft.com/office/drawing/2014/main" id="{2920349E-87B5-E745-9FD3-97E462D69ADC}"/>
               </a:ext>
             </a:extLst>
           </p:cNvPr>
@@ -4843,7 +4877,7 @@
           <p:cNvPr id="9" name="Picture 8">
             <a:extLst>
               <a:ext uri="{FF2B5EF4-FFF2-40B4-BE49-F238E27FC236}">
-                <a16:creationId xmlns:a16="http://schemas.microsoft.com/office/drawing/2014/main" xmlns="" id="{CE5EDD23-1535-F544-89AB-7C66CD9E63D5}"/>
+                <a16:creationId xmlns:a16="http://schemas.microsoft.com/office/drawing/2014/main" id="{CE5EDD23-1535-F544-89AB-7C66CD9E63D5}"/>
               </a:ext>
             </a:extLst>
           </p:cNvPr>
@@ -4909,7 +4943,7 @@
           <p:cNvPr id="2" name="Title 1">
             <a:extLst>
               <a:ext uri="{FF2B5EF4-FFF2-40B4-BE49-F238E27FC236}">
-                <a16:creationId xmlns:a16="http://schemas.microsoft.com/office/drawing/2014/main" xmlns="" id="{96D707EC-5016-4BAF-8F4A-A65A1AB1C536}"/>
+                <a16:creationId xmlns:a16="http://schemas.microsoft.com/office/drawing/2014/main" id="{96D707EC-5016-4BAF-8F4A-A65A1AB1C536}"/>
               </a:ext>
             </a:extLst>
           </p:cNvPr>
@@ -4937,7 +4971,7 @@
           <p:cNvPr id="3" name="Content Placeholder 2">
             <a:extLst>
               <a:ext uri="{FF2B5EF4-FFF2-40B4-BE49-F238E27FC236}">
-                <a16:creationId xmlns:a16="http://schemas.microsoft.com/office/drawing/2014/main" xmlns="" id="{342D2FB9-6875-4DD4-8943-0245A4DAE320}"/>
+                <a16:creationId xmlns:a16="http://schemas.microsoft.com/office/drawing/2014/main" id="{342D2FB9-6875-4DD4-8943-0245A4DAE320}"/>
               </a:ext>
             </a:extLst>
           </p:cNvPr>
@@ -5053,10 +5087,10 @@
           <p:cNvPr id="8" name="Rectangle 7">
             <a:extLst>
               <a:ext uri="{FF2B5EF4-FFF2-40B4-BE49-F238E27FC236}">
-                <a16:creationId xmlns:a16="http://schemas.microsoft.com/office/drawing/2014/main" xmlns="" id="{A2B36470-9A0C-4C86-99EB-05358284D0DB}"/>
+                <a16:creationId xmlns:a16="http://schemas.microsoft.com/office/drawing/2014/main" id="{A2B36470-9A0C-4C86-99EB-05358284D0DB}"/>
               </a:ext>
               <a:ext uri="{C183D7F6-B498-43B3-948B-1728B52AA6E4}">
-                <adec:decorative xmlns:adec="http://schemas.microsoft.com/office/drawing/2017/decorative" xmlns="" val="1"/>
+                <adec:decorative xmlns:adec="http://schemas.microsoft.com/office/drawing/2017/decorative" val="1"/>
               </a:ext>
             </a:extLst>
           </p:cNvPr>
@@ -5113,10 +5147,10 @@
           <p:cNvPr id="10" name="Rectangle 9">
             <a:extLst>
               <a:ext uri="{FF2B5EF4-FFF2-40B4-BE49-F238E27FC236}">
-                <a16:creationId xmlns:a16="http://schemas.microsoft.com/office/drawing/2014/main" xmlns="" id="{0DD2F460-AD0F-49B5-80F2-18F1F65E34BC}"/>
+                <a16:creationId xmlns:a16="http://schemas.microsoft.com/office/drawing/2014/main" id="{0DD2F460-AD0F-49B5-80F2-18F1F65E34BC}"/>
               </a:ext>
               <a:ext uri="{C183D7F6-B498-43B3-948B-1728B52AA6E4}">
-                <adec:decorative xmlns:adec="http://schemas.microsoft.com/office/drawing/2017/decorative" xmlns="" val="1"/>
+                <adec:decorative xmlns:adec="http://schemas.microsoft.com/office/drawing/2017/decorative" val="1"/>
               </a:ext>
             </a:extLst>
           </p:cNvPr>
@@ -5183,7 +5217,7 @@
           <p:cNvPr id="3" name="Picture 2">
             <a:extLst>
               <a:ext uri="{FF2B5EF4-FFF2-40B4-BE49-F238E27FC236}">
-                <a16:creationId xmlns:a16="http://schemas.microsoft.com/office/drawing/2014/main" xmlns="" id="{04681B16-0CF6-4C42-991B-F27FB0030F7E}"/>
+                <a16:creationId xmlns:a16="http://schemas.microsoft.com/office/drawing/2014/main" id="{04681B16-0CF6-4C42-991B-F27FB0030F7E}"/>
               </a:ext>
             </a:extLst>
           </p:cNvPr>
@@ -5213,10 +5247,10 @@
           <p:cNvPr id="12" name="Rectangle 11">
             <a:extLst>
               <a:ext uri="{FF2B5EF4-FFF2-40B4-BE49-F238E27FC236}">
-                <a16:creationId xmlns:a16="http://schemas.microsoft.com/office/drawing/2014/main" xmlns="" id="{0C634C77-7EAE-486F-BBA9-98DFA03209D4}"/>
+                <a16:creationId xmlns:a16="http://schemas.microsoft.com/office/drawing/2014/main" id="{0C634C77-7EAE-486F-BBA9-98DFA03209D4}"/>
               </a:ext>
               <a:ext uri="{C183D7F6-B498-43B3-948B-1728B52AA6E4}">
-                <adec:decorative xmlns:adec="http://schemas.microsoft.com/office/drawing/2017/decorative" xmlns="" val="1"/>
+                <adec:decorative xmlns:adec="http://schemas.microsoft.com/office/drawing/2017/decorative" val="1"/>
               </a:ext>
             </a:extLst>
           </p:cNvPr>
@@ -5283,7 +5317,7 @@
           <p:cNvPr id="2" name="Picture 1">
             <a:extLst>
               <a:ext uri="{FF2B5EF4-FFF2-40B4-BE49-F238E27FC236}">
-                <a16:creationId xmlns:a16="http://schemas.microsoft.com/office/drawing/2014/main" xmlns="" id="{22F0856A-B65A-4F32-9B1F-1197FAC7B351}"/>
+                <a16:creationId xmlns:a16="http://schemas.microsoft.com/office/drawing/2014/main" id="{22F0856A-B65A-4F32-9B1F-1197FAC7B351}"/>
               </a:ext>
             </a:extLst>
           </p:cNvPr>
@@ -5351,10 +5385,10 @@
           <p:cNvPr id="7" name="Rectangle 6">
             <a:extLst>
               <a:ext uri="{FF2B5EF4-FFF2-40B4-BE49-F238E27FC236}">
-                <a16:creationId xmlns:a16="http://schemas.microsoft.com/office/drawing/2014/main" xmlns="" id="{9485DA84-CB73-4E5E-9864-2460CE28055D}"/>
+                <a16:creationId xmlns:a16="http://schemas.microsoft.com/office/drawing/2014/main" id="{9485DA84-CB73-4E5E-9864-2460CE28055D}"/>
               </a:ext>
               <a:ext uri="{C183D7F6-B498-43B3-948B-1728B52AA6E4}">
-                <adec:decorative xmlns:adec="http://schemas.microsoft.com/office/drawing/2017/decorative" xmlns="" val="1"/>
+                <adec:decorative xmlns:adec="http://schemas.microsoft.com/office/drawing/2017/decorative" val="1"/>
               </a:ext>
             </a:extLst>
           </p:cNvPr>
@@ -5414,10 +5448,10 @@
           <p:cNvPr id="9" name="Rectangle 8">
             <a:extLst>
               <a:ext uri="{FF2B5EF4-FFF2-40B4-BE49-F238E27FC236}">
-                <a16:creationId xmlns:a16="http://schemas.microsoft.com/office/drawing/2014/main" xmlns="" id="{7D49185E-361A-421B-8F2D-11C7FFC686F0}"/>
+                <a16:creationId xmlns:a16="http://schemas.microsoft.com/office/drawing/2014/main" id="{7D49185E-361A-421B-8F2D-11C7FFC686F0}"/>
               </a:ext>
               <a:ext uri="{C183D7F6-B498-43B3-948B-1728B52AA6E4}">
-                <adec:decorative xmlns:adec="http://schemas.microsoft.com/office/drawing/2017/decorative" xmlns="" val="1"/>
+                <adec:decorative xmlns:adec="http://schemas.microsoft.com/office/drawing/2017/decorative" val="1"/>
               </a:ext>
             </a:extLst>
           </p:cNvPr>
@@ -5477,10 +5511,10 @@
           <p:cNvPr id="11" name="Rectangle 10">
             <a:extLst>
               <a:ext uri="{FF2B5EF4-FFF2-40B4-BE49-F238E27FC236}">
-                <a16:creationId xmlns:a16="http://schemas.microsoft.com/office/drawing/2014/main" xmlns="" id="{14B85BAA-C37F-44B4-B427-B4F10EBB4183}"/>
+                <a16:creationId xmlns:a16="http://schemas.microsoft.com/office/drawing/2014/main" id="{14B85BAA-C37F-44B4-B427-B4F10EBB4183}"/>
               </a:ext>
               <a:ext uri="{C183D7F6-B498-43B3-948B-1728B52AA6E4}">
-                <adec:decorative xmlns:adec="http://schemas.microsoft.com/office/drawing/2017/decorative" xmlns="" val="1"/>
+                <adec:decorative xmlns:adec="http://schemas.microsoft.com/office/drawing/2017/decorative" val="1"/>
               </a:ext>
             </a:extLst>
           </p:cNvPr>
@@ -5540,10 +5574,10 @@
           <p:cNvPr id="13" name="Rectangle 12">
             <a:extLst>
               <a:ext uri="{FF2B5EF4-FFF2-40B4-BE49-F238E27FC236}">
-                <a16:creationId xmlns:a16="http://schemas.microsoft.com/office/drawing/2014/main" xmlns="" id="{EDC4EE06-D7B4-4FAC-A561-38A1C380232A}"/>
+                <a16:creationId xmlns:a16="http://schemas.microsoft.com/office/drawing/2014/main" id="{EDC4EE06-D7B4-4FAC-A561-38A1C380232A}"/>
               </a:ext>
               <a:ext uri="{C183D7F6-B498-43B3-948B-1728B52AA6E4}">
-                <adec:decorative xmlns:adec="http://schemas.microsoft.com/office/drawing/2017/decorative" xmlns="" val="1"/>
+                <adec:decorative xmlns:adec="http://schemas.microsoft.com/office/drawing/2017/decorative" val="1"/>
               </a:ext>
             </a:extLst>
           </p:cNvPr>
@@ -5603,10 +5637,10 @@
           <p:cNvPr id="15" name="Rectangle 14">
             <a:extLst>
               <a:ext uri="{FF2B5EF4-FFF2-40B4-BE49-F238E27FC236}">
-                <a16:creationId xmlns:a16="http://schemas.microsoft.com/office/drawing/2014/main" xmlns="" id="{9018D83B-903C-4782-B1BB-A45164A71F60}"/>
+                <a16:creationId xmlns:a16="http://schemas.microsoft.com/office/drawing/2014/main" id="{9018D83B-903C-4782-B1BB-A45164A71F60}"/>
               </a:ext>
               <a:ext uri="{C183D7F6-B498-43B3-948B-1728B52AA6E4}">
-                <adec:decorative xmlns:adec="http://schemas.microsoft.com/office/drawing/2017/decorative" xmlns="" val="1"/>
+                <adec:decorative xmlns:adec="http://schemas.microsoft.com/office/drawing/2017/decorative" val="1"/>
               </a:ext>
             </a:extLst>
           </p:cNvPr>
@@ -5666,10 +5700,10 @@
           <p:cNvPr id="17" name="Rectangle 16">
             <a:extLst>
               <a:ext uri="{FF2B5EF4-FFF2-40B4-BE49-F238E27FC236}">
-                <a16:creationId xmlns:a16="http://schemas.microsoft.com/office/drawing/2014/main" xmlns="" id="{8785589A-A5AC-409A-B2A2-24D871B4CEF0}"/>
+                <a16:creationId xmlns:a16="http://schemas.microsoft.com/office/drawing/2014/main" id="{8785589A-A5AC-409A-B2A2-24D871B4CEF0}"/>
               </a:ext>
               <a:ext uri="{C183D7F6-B498-43B3-948B-1728B52AA6E4}">
-                <adec:decorative xmlns:adec="http://schemas.microsoft.com/office/drawing/2017/decorative" xmlns="" val="1"/>
+                <adec:decorative xmlns:adec="http://schemas.microsoft.com/office/drawing/2017/decorative" val="1"/>
               </a:ext>
             </a:extLst>
           </p:cNvPr>
@@ -5729,7 +5763,7 @@
           <p:cNvPr id="2" name="Picture 1">
             <a:extLst>
               <a:ext uri="{FF2B5EF4-FFF2-40B4-BE49-F238E27FC236}">
-                <a16:creationId xmlns:a16="http://schemas.microsoft.com/office/drawing/2014/main" xmlns="" id="{B691B45B-F1B1-4003-A31B-DC6488435435}"/>
+                <a16:creationId xmlns:a16="http://schemas.microsoft.com/office/drawing/2014/main" id="{B691B45B-F1B1-4003-A31B-DC6488435435}"/>
               </a:ext>
             </a:extLst>
           </p:cNvPr>
@@ -5789,7 +5823,7 @@
           <p:cNvPr id="2" name="Title 1">
             <a:extLst>
               <a:ext uri="{FF2B5EF4-FFF2-40B4-BE49-F238E27FC236}">
-                <a16:creationId xmlns:a16="http://schemas.microsoft.com/office/drawing/2014/main" xmlns="" id="{DC3BD38B-3CB1-42C0-AA27-9929D5729428}"/>
+                <a16:creationId xmlns:a16="http://schemas.microsoft.com/office/drawing/2014/main" id="{DC3BD38B-3CB1-42C0-AA27-9929D5729428}"/>
               </a:ext>
             </a:extLst>
           </p:cNvPr>
@@ -5817,7 +5851,7 @@
           <p:cNvPr id="3" name="Content Placeholder 2">
             <a:extLst>
               <a:ext uri="{FF2B5EF4-FFF2-40B4-BE49-F238E27FC236}">
-                <a16:creationId xmlns:a16="http://schemas.microsoft.com/office/drawing/2014/main" xmlns="" id="{2691CCDC-538D-41FF-8048-9D477186B6CD}"/>
+                <a16:creationId xmlns:a16="http://schemas.microsoft.com/office/drawing/2014/main" id="{2691CCDC-538D-41FF-8048-9D477186B6CD}"/>
               </a:ext>
             </a:extLst>
           </p:cNvPr>
@@ -5895,7 +5929,7 @@
           <p:cNvPr id="2" name="Title 1">
             <a:extLst>
               <a:ext uri="{FF2B5EF4-FFF2-40B4-BE49-F238E27FC236}">
-                <a16:creationId xmlns:a16="http://schemas.microsoft.com/office/drawing/2014/main" xmlns="" id="{9476BA5A-3A3F-4CB2-9065-F25CABC9744C}"/>
+                <a16:creationId xmlns:a16="http://schemas.microsoft.com/office/drawing/2014/main" id="{9476BA5A-3A3F-4CB2-9065-F25CABC9744C}"/>
               </a:ext>
             </a:extLst>
           </p:cNvPr>
@@ -5923,7 +5957,7 @@
           <p:cNvPr id="4" name="Content Placeholder 3">
             <a:extLst>
               <a:ext uri="{FF2B5EF4-FFF2-40B4-BE49-F238E27FC236}">
-                <a16:creationId xmlns:a16="http://schemas.microsoft.com/office/drawing/2014/main" xmlns="" id="{8ABF8844-DB7F-4656-970E-B5DC9E1800D3}"/>
+                <a16:creationId xmlns:a16="http://schemas.microsoft.com/office/drawing/2014/main" id="{8ABF8844-DB7F-4656-970E-B5DC9E1800D3}"/>
               </a:ext>
             </a:extLst>
           </p:cNvPr>
@@ -5985,7 +6019,7 @@
           <p:cNvPr id="2" name="Title 1">
             <a:extLst>
               <a:ext uri="{FF2B5EF4-FFF2-40B4-BE49-F238E27FC236}">
-                <a16:creationId xmlns:a16="http://schemas.microsoft.com/office/drawing/2014/main" xmlns="" id="{1F274EA1-7574-41C6-A6B5-0F7903946931}"/>
+                <a16:creationId xmlns:a16="http://schemas.microsoft.com/office/drawing/2014/main" id="{1F274EA1-7574-41C6-A6B5-0F7903946931}"/>
               </a:ext>
             </a:extLst>
           </p:cNvPr>
@@ -6013,7 +6047,7 @@
           <p:cNvPr id="4" name="Content Placeholder 3">
             <a:extLst>
               <a:ext uri="{FF2B5EF4-FFF2-40B4-BE49-F238E27FC236}">
-                <a16:creationId xmlns:a16="http://schemas.microsoft.com/office/drawing/2014/main" xmlns="" id="{0B00202D-57AF-4B72-86FC-F53FE3A1CCC0}"/>
+                <a16:creationId xmlns:a16="http://schemas.microsoft.com/office/drawing/2014/main" id="{0B00202D-57AF-4B72-86FC-F53FE3A1CCC0}"/>
               </a:ext>
             </a:extLst>
           </p:cNvPr>
@@ -6075,7 +6109,7 @@
           <p:cNvPr id="2" name="Title 1">
             <a:extLst>
               <a:ext uri="{FF2B5EF4-FFF2-40B4-BE49-F238E27FC236}">
-                <a16:creationId xmlns:a16="http://schemas.microsoft.com/office/drawing/2014/main" xmlns="" id="{C8DE2D2A-4529-4C53-8FA8-C3C651153EC8}"/>
+                <a16:creationId xmlns:a16="http://schemas.microsoft.com/office/drawing/2014/main" id="{C8DE2D2A-4529-4C53-8FA8-C3C651153EC8}"/>
               </a:ext>
             </a:extLst>
           </p:cNvPr>
@@ -6103,7 +6137,7 @@
           <p:cNvPr id="4" name="Content Placeholder 3">
             <a:extLst>
               <a:ext uri="{FF2B5EF4-FFF2-40B4-BE49-F238E27FC236}">
-                <a16:creationId xmlns:a16="http://schemas.microsoft.com/office/drawing/2014/main" xmlns="" id="{19EE486C-6283-4519-A39C-DFF5A74D7874}"/>
+                <a16:creationId xmlns:a16="http://schemas.microsoft.com/office/drawing/2014/main" id="{19EE486C-6283-4519-A39C-DFF5A74D7874}"/>
               </a:ext>
             </a:extLst>
           </p:cNvPr>
@@ -6135,7 +6169,7 @@
           <p:cNvPr id="5" name="Picture 4">
             <a:extLst>
               <a:ext uri="{FF2B5EF4-FFF2-40B4-BE49-F238E27FC236}">
-                <a16:creationId xmlns:a16="http://schemas.microsoft.com/office/drawing/2014/main" xmlns="" id="{04CB2136-62D6-4447-A40E-51B916E3DE15}"/>
+                <a16:creationId xmlns:a16="http://schemas.microsoft.com/office/drawing/2014/main" id="{04CB2136-62D6-4447-A40E-51B916E3DE15}"/>
               </a:ext>
             </a:extLst>
           </p:cNvPr>
@@ -6165,7 +6199,7 @@
           <p:cNvPr id="6" name="Picture 5">
             <a:extLst>
               <a:ext uri="{FF2B5EF4-FFF2-40B4-BE49-F238E27FC236}">
-                <a16:creationId xmlns:a16="http://schemas.microsoft.com/office/drawing/2014/main" xmlns="" id="{D3117831-6A6F-4889-836F-C50256BA948B}"/>
+                <a16:creationId xmlns:a16="http://schemas.microsoft.com/office/drawing/2014/main" id="{D3117831-6A6F-4889-836F-C50256BA948B}"/>
               </a:ext>
             </a:extLst>
           </p:cNvPr>
@@ -6225,7 +6259,7 @@
           <p:cNvPr id="2" name="Title 1">
             <a:extLst>
               <a:ext uri="{FF2B5EF4-FFF2-40B4-BE49-F238E27FC236}">
-                <a16:creationId xmlns:a16="http://schemas.microsoft.com/office/drawing/2014/main" xmlns="" id="{BA4A6CB5-53C8-4F07-8A20-F00DEA1CB259}"/>
+                <a16:creationId xmlns:a16="http://schemas.microsoft.com/office/drawing/2014/main" id="{BA4A6CB5-53C8-4F07-8A20-F00DEA1CB259}"/>
               </a:ext>
             </a:extLst>
           </p:cNvPr>
@@ -6253,7 +6287,7 @@
           <p:cNvPr id="3" name="Content Placeholder 2">
             <a:extLst>
               <a:ext uri="{FF2B5EF4-FFF2-40B4-BE49-F238E27FC236}">
-                <a16:creationId xmlns:a16="http://schemas.microsoft.com/office/drawing/2014/main" xmlns="" id="{29826E7D-FCFD-407C-A9C8-9C8ADAEE4D41}"/>
+                <a16:creationId xmlns:a16="http://schemas.microsoft.com/office/drawing/2014/main" id="{29826E7D-FCFD-407C-A9C8-9C8ADAEE4D41}"/>
               </a:ext>
             </a:extLst>
           </p:cNvPr>
@@ -6283,10 +6317,6 @@
             <a:pPr marL="0" indent="0">
               <a:buNone/>
             </a:pPr>
-            <a:r>
-              <a:rPr lang="en-US" dirty="0"/>
-              <a:t/>
-            </a:r>
             <a:br>
               <a:rPr lang="en-US" dirty="0"/>
             </a:br>

--- a/PowerPoint Slides/CSC 439 Sprint Week 4.pptx
+++ b/PowerPoint Slides/CSC 439 Sprint Week 4.pptx
@@ -128,12 +128,20 @@
 </p:presentation>
 </file>
 
+<file path=ppt/revisionInfo.xml><?xml version="1.0" encoding="utf-8"?>
+<p1510:revInfo xmlns:a="http://schemas.openxmlformats.org/drawingml/2006/main" xmlns:r="http://schemas.openxmlformats.org/officeDocument/2006/relationships" xmlns:p1510="http://schemas.microsoft.com/office/powerpoint/2015/10/main">
+  <p1510:revLst>
+    <p1510:client id="{83892315-738D-405F-AB63-3370F10D29A8}" v="1" dt="2019-10-07T23:35:05.347"/>
+  </p1510:revLst>
+</p1510:revInfo>
+</file>
+
 <file path=ppt/changesInfos/changesInfo1.xml><?xml version="1.0" encoding="utf-8"?>
 <pc:chgInfo xmlns:a="http://schemas.openxmlformats.org/drawingml/2006/main" xmlns:r="http://schemas.openxmlformats.org/officeDocument/2006/relationships" xmlns:ac="http://schemas.microsoft.com/office/drawing/2013/main/command" xmlns:pc="http://schemas.microsoft.com/office/powerpoint/2013/main/command">
   <pc:docChgLst>
     <pc:chgData name="JJ Craig" userId="403dfa2b560c16b3" providerId="LiveId" clId="{83892315-738D-405F-AB63-3370F10D29A8}"/>
     <pc:docChg chg="modSld">
-      <pc:chgData name="JJ Craig" userId="403dfa2b560c16b3" providerId="LiveId" clId="{83892315-738D-405F-AB63-3370F10D29A8}" dt="2019-10-07T23:26:46.280" v="1" actId="20577"/>
+      <pc:chgData name="JJ Craig" userId="403dfa2b560c16b3" providerId="LiveId" clId="{83892315-738D-405F-AB63-3370F10D29A8}" dt="2019-10-07T23:35:37.663" v="68" actId="20577"/>
       <pc:docMkLst>
         <pc:docMk/>
       </pc:docMkLst>
@@ -151,6 +159,29 @@
             <ac:spMk id="2" creationId="{F8AA9C60-0696-4962-859B-5044DD80E333}"/>
           </ac:spMkLst>
         </pc:spChg>
+      </pc:sldChg>
+      <pc:sldChg chg="addSp modSp">
+        <pc:chgData name="JJ Craig" userId="403dfa2b560c16b3" providerId="LiveId" clId="{83892315-738D-405F-AB63-3370F10D29A8}" dt="2019-10-07T23:35:37.663" v="68" actId="20577"/>
+        <pc:sldMkLst>
+          <pc:docMk/>
+          <pc:sldMk cId="547059695" sldId="260"/>
+        </pc:sldMkLst>
+        <pc:spChg chg="mod">
+          <ac:chgData name="JJ Craig" userId="403dfa2b560c16b3" providerId="LiveId" clId="{83892315-738D-405F-AB63-3370F10D29A8}" dt="2019-10-07T23:35:37.663" v="68" actId="20577"/>
+          <ac:spMkLst>
+            <pc:docMk/>
+            <pc:sldMk cId="547059695" sldId="260"/>
+            <ac:spMk id="3" creationId="{4F5E2575-14B0-4EA3-A510-1E41A86640AC}"/>
+          </ac:spMkLst>
+        </pc:spChg>
+        <pc:picChg chg="add mod">
+          <ac:chgData name="JJ Craig" userId="403dfa2b560c16b3" providerId="LiveId" clId="{83892315-738D-405F-AB63-3370F10D29A8}" dt="2019-10-07T23:35:18.840" v="42" actId="1076"/>
+          <ac:picMkLst>
+            <pc:docMk/>
+            <pc:sldMk cId="547059695" sldId="260"/>
+            <ac:picMk id="4" creationId="{FDA935F8-E565-4E16-9142-0C0A3CFBDF9D}"/>
+          </ac:picMkLst>
+        </pc:picChg>
       </pc:sldChg>
     </pc:docChg>
   </pc:docChgLst>
@@ -4241,11 +4272,52 @@
           <a:p>
             <a:r>
               <a:rPr lang="en-US" dirty="0"/>
-              <a:t>Paging and sorting to the search/inventory pages.</a:t>
-            </a:r>
-          </a:p>
-        </p:txBody>
-      </p:sp>
+              <a:t>Paging to the search page, not </a:t>
+            </a:r>
+            <a:r>
+              <a:rPr lang="en-US"/>
+              <a:t>fully functional</a:t>
+            </a:r>
+            <a:endParaRPr lang="en-US" dirty="0"/>
+          </a:p>
+          <a:p>
+            <a:endParaRPr lang="en-US" dirty="0"/>
+          </a:p>
+          <a:p>
+            <a:endParaRPr lang="en-US" dirty="0"/>
+          </a:p>
+        </p:txBody>
+      </p:sp>
+      <p:pic>
+        <p:nvPicPr>
+          <p:cNvPr id="4" name="Picture 3">
+            <a:extLst>
+              <a:ext uri="{FF2B5EF4-FFF2-40B4-BE49-F238E27FC236}">
+                <a16:creationId xmlns:a16="http://schemas.microsoft.com/office/drawing/2014/main" id="{FDA935F8-E565-4E16-9142-0C0A3CFBDF9D}"/>
+              </a:ext>
+            </a:extLst>
+          </p:cNvPr>
+          <p:cNvPicPr>
+            <a:picLocks noChangeAspect="1"/>
+          </p:cNvPicPr>
+          <p:nvPr/>
+        </p:nvPicPr>
+        <p:blipFill>
+          <a:blip r:embed="rId2"/>
+          <a:stretch>
+            <a:fillRect/>
+          </a:stretch>
+        </p:blipFill>
+        <p:spPr>
+          <a:xfrm>
+            <a:off x="1371600" y="2669308"/>
+            <a:ext cx="7830708" cy="3768437"/>
+          </a:xfrm>
+          <a:prstGeom prst="rect">
+            <a:avLst/>
+          </a:prstGeom>
+        </p:spPr>
+      </p:pic>
     </p:spTree>
     <p:extLst>
       <p:ext uri="{BB962C8B-B14F-4D97-AF65-F5344CB8AC3E}">
